--- a/4σέλιδο/Παρουσίαση/cest2023-ppt-template_working.pptx
+++ b/4σέλιδο/Παρουσίαση/cest2023-ppt-template_working.pptx
@@ -5,27 +5,36 @@
     <p:sldMasterId id="2147483659" r:id="rId1"/>
   </p:sldMasterIdLst>
   <p:notesMasterIdLst>
-    <p:notesMasterId r:id="rId5"/>
+    <p:notesMasterId r:id="rId10"/>
   </p:notesMasterIdLst>
   <p:sldIdLst>
     <p:sldId id="256" r:id="rId2"/>
     <p:sldId id="257" r:id="rId3"/>
-    <p:sldId id="258" r:id="rId4"/>
+    <p:sldId id="259" r:id="rId4"/>
+    <p:sldId id="260" r:id="rId5"/>
+    <p:sldId id="261" r:id="rId6"/>
+    <p:sldId id="262" r:id="rId7"/>
+    <p:sldId id="258" r:id="rId8"/>
+    <p:sldId id="265" r:id="rId9"/>
   </p:sldIdLst>
   <p:sldSz cx="9144000" cy="5143500" type="screen16x9"/>
   <p:notesSz cx="6858000" cy="9144000"/>
   <p:embeddedFontLst>
     <p:embeddedFont>
+      <p:font typeface="Cambria Math" panose="02040503050406030204" pitchFamily="18" charset="0"/>
+      <p:regular r:id="rId11"/>
+    </p:embeddedFont>
+    <p:embeddedFont>
       <p:font typeface="Open Sans" panose="020B0606030504020204" pitchFamily="34" charset="0"/>
-      <p:regular r:id="rId6"/>
-      <p:bold r:id="rId7"/>
-      <p:italic r:id="rId8"/>
-      <p:boldItalic r:id="rId9"/>
+      <p:regular r:id="rId12"/>
+      <p:bold r:id="rId13"/>
+      <p:italic r:id="rId14"/>
+      <p:boldItalic r:id="rId15"/>
     </p:embeddedFont>
     <p:embeddedFont>
       <p:font typeface="Open Sans SemiBold" panose="020B0706030804020204" pitchFamily="34" charset="0"/>
-      <p:bold r:id="rId10"/>
-      <p:boldItalic r:id="rId11"/>
+      <p:bold r:id="rId16"/>
+      <p:boldItalic r:id="rId17"/>
     </p:embeddedFont>
   </p:embeddedFontLst>
   <p:defaultTextStyle>
@@ -814,7 +823,7 @@
               </a:spcAft>
               <a:buNone/>
             </a:pPr>
-            <a:endParaRPr/>
+            <a:endParaRPr dirty="0"/>
           </a:p>
         </p:txBody>
       </p:sp>
@@ -923,7 +932,11 @@
               </a:spcAft>
               <a:buNone/>
             </a:pPr>
-            <a:endParaRPr/>
+            <a:r>
+              <a:rPr lang="en-US" dirty="0"/>
+              <a:t>I suppose since the topic is Carbon Market that the EU ETS is been well explained before. Should I try to present it again?</a:t>
+            </a:r>
+            <a:endParaRPr dirty="0"/>
           </a:p>
         </p:txBody>
       </p:sp>
@@ -941,6 +954,960 @@
 </file>
 
 <file path=ppt/notesSlides/notesSlide3.xml><?xml version="1.0" encoding="utf-8"?>
+<p:notes xmlns:a="http://schemas.openxmlformats.org/drawingml/2006/main" xmlns:r="http://schemas.openxmlformats.org/officeDocument/2006/relationships" xmlns:p="http://schemas.openxmlformats.org/presentationml/2006/main" showMasterSp="0" showMasterPhAnim="0">
+  <p:cSld>
+    <p:spTree>
+      <p:nvGrpSpPr>
+        <p:cNvPr id="1" name="Shape 58"/>
+        <p:cNvGrpSpPr/>
+        <p:nvPr/>
+      </p:nvGrpSpPr>
+      <p:grpSpPr>
+        <a:xfrm>
+          <a:off x="0" y="0"/>
+          <a:ext cx="0" cy="0"/>
+          <a:chOff x="0" y="0"/>
+          <a:chExt cx="0" cy="0"/>
+        </a:xfrm>
+      </p:grpSpPr>
+      <p:sp>
+        <p:nvSpPr>
+          <p:cNvPr id="59" name="Google Shape;59;g194c55d3b57_0_0:notes"/>
+          <p:cNvSpPr>
+            <a:spLocks noGrp="1" noRot="1" noChangeAspect="1"/>
+          </p:cNvSpPr>
+          <p:nvPr>
+            <p:ph type="sldImg" idx="2"/>
+          </p:nvPr>
+        </p:nvSpPr>
+        <p:spPr>
+          <a:xfrm>
+            <a:off x="381000" y="685800"/>
+            <a:ext cx="6096000" cy="3429000"/>
+          </a:xfrm>
+          <a:custGeom>
+            <a:avLst/>
+            <a:gdLst/>
+            <a:ahLst/>
+            <a:cxnLst/>
+            <a:rect l="l" t="t" r="r" b="b"/>
+            <a:pathLst>
+              <a:path w="120000" h="120000" extrusionOk="0">
+                <a:moveTo>
+                  <a:pt x="0" y="0"/>
+                </a:moveTo>
+                <a:lnTo>
+                  <a:pt x="120000" y="0"/>
+                </a:lnTo>
+                <a:lnTo>
+                  <a:pt x="120000" y="120000"/>
+                </a:lnTo>
+                <a:lnTo>
+                  <a:pt x="0" y="120000"/>
+                </a:lnTo>
+                <a:close/>
+              </a:path>
+            </a:pathLst>
+          </a:custGeom>
+        </p:spPr>
+      </p:sp>
+      <p:sp>
+        <p:nvSpPr>
+          <p:cNvPr id="60" name="Google Shape;60;g194c55d3b57_0_0:notes"/>
+          <p:cNvSpPr txBox="1">
+            <a:spLocks noGrp="1"/>
+          </p:cNvSpPr>
+          <p:nvPr>
+            <p:ph type="body" idx="1"/>
+          </p:nvPr>
+        </p:nvSpPr>
+        <p:spPr>
+          <a:xfrm>
+            <a:off x="685800" y="4343400"/>
+            <a:ext cx="5486400" cy="4114800"/>
+          </a:xfrm>
+          <a:prstGeom prst="rect">
+            <a:avLst/>
+          </a:prstGeom>
+        </p:spPr>
+        <p:txBody>
+          <a:bodyPr spcFirstLastPara="1" wrap="square" lIns="91425" tIns="91425" rIns="91425" bIns="91425" anchor="t" anchorCtr="0">
+            <a:noAutofit/>
+          </a:bodyPr>
+          <a:lstStyle/>
+          <a:p>
+            <a:pPr marL="0" lvl="0" indent="0" algn="l" rtl="0">
+              <a:spcBef>
+                <a:spcPts val="0"/>
+              </a:spcBef>
+              <a:spcAft>
+                <a:spcPts val="0"/>
+              </a:spcAft>
+              <a:buNone/>
+            </a:pPr>
+            <a:r>
+              <a:rPr lang="en-US" sz="1100" dirty="0">
+                <a:latin typeface="+mj-lt"/>
+                <a:ea typeface="Open Sans"/>
+                <a:cs typeface="Open Sans"/>
+                <a:sym typeface="Open Sans"/>
+              </a:rPr>
+              <a:t>What is it?</a:t>
+            </a:r>
+          </a:p>
+          <a:p>
+            <a:pPr marL="0" lvl="0" indent="0" algn="l" rtl="0">
+              <a:spcBef>
+                <a:spcPts val="0"/>
+              </a:spcBef>
+              <a:spcAft>
+                <a:spcPts val="0"/>
+              </a:spcAft>
+              <a:buNone/>
+            </a:pPr>
+            <a:r>
+              <a:rPr lang="el-GR" b="0" i="0" dirty="0">
+                <a:solidFill>
+                  <a:srgbClr val="E8EAED"/>
+                </a:solidFill>
+                <a:effectLst/>
+                <a:latin typeface="+mj-lt"/>
+              </a:rPr>
+              <a:t>Αντί να μειώνονται οι ρίποι, απλώς μεταφέρονται εκτός του δικτύου. Άρα και ο στόχος δεν επιτυγχάνεται και η ΕΕ </a:t>
+            </a:r>
+            <a:r>
+              <a:rPr lang="el-GR" b="0" i="0" dirty="0" err="1">
+                <a:solidFill>
+                  <a:srgbClr val="E8EAED"/>
+                </a:solidFill>
+                <a:effectLst/>
+                <a:latin typeface="+mj-lt"/>
+              </a:rPr>
+              <a:t>αποδυναμόνεται</a:t>
+            </a:r>
+            <a:r>
+              <a:rPr lang="el-GR" b="0" i="0" dirty="0">
+                <a:solidFill>
+                  <a:srgbClr val="E8EAED"/>
+                </a:solidFill>
+                <a:effectLst/>
+                <a:latin typeface="+mj-lt"/>
+              </a:rPr>
+              <a:t> συγκριτικά με τους δίπλα «παίκτες».</a:t>
+            </a:r>
+          </a:p>
+          <a:p>
+            <a:pPr marL="0" lvl="0" indent="0" algn="l" rtl="0">
+              <a:spcBef>
+                <a:spcPts val="0"/>
+              </a:spcBef>
+              <a:spcAft>
+                <a:spcPts val="0"/>
+              </a:spcAft>
+              <a:buNone/>
+            </a:pPr>
+            <a:r>
+              <a:rPr lang="el-GR" sz="1100" b="0" i="0" dirty="0">
+                <a:solidFill>
+                  <a:srgbClr val="E8EAED"/>
+                </a:solidFill>
+                <a:effectLst/>
+                <a:latin typeface="+mj-lt"/>
+                <a:ea typeface="Open Sans"/>
+                <a:cs typeface="Open Sans"/>
+                <a:sym typeface="Open Sans"/>
+              </a:rPr>
+              <a:t>Για να το διορθώσουμε αυτό: </a:t>
+            </a:r>
+            <a:r>
+              <a:rPr lang="en-US" sz="1100" b="0" i="0" dirty="0">
+                <a:solidFill>
+                  <a:srgbClr val="E8EAED"/>
+                </a:solidFill>
+                <a:effectLst/>
+                <a:latin typeface="+mj-lt"/>
+                <a:ea typeface="Open Sans"/>
+                <a:cs typeface="Open Sans"/>
+                <a:sym typeface="Open Sans"/>
+              </a:rPr>
+              <a:t>Grandfathering (</a:t>
+            </a:r>
+            <a:r>
+              <a:rPr lang="el-GR" sz="1100" b="0" i="0" dirty="0">
+                <a:solidFill>
+                  <a:srgbClr val="E8EAED"/>
+                </a:solidFill>
+                <a:effectLst/>
+                <a:latin typeface="+mj-lt"/>
+                <a:ea typeface="Open Sans"/>
+                <a:cs typeface="Open Sans"/>
+                <a:sym typeface="Open Sans"/>
+              </a:rPr>
+              <a:t>φάση Ι,ΙΙ</a:t>
+            </a:r>
+            <a:r>
+              <a:rPr lang="en-US" sz="1100" b="0" i="0" dirty="0">
+                <a:solidFill>
+                  <a:srgbClr val="E8EAED"/>
+                </a:solidFill>
+                <a:effectLst/>
+                <a:latin typeface="+mj-lt"/>
+                <a:ea typeface="Open Sans"/>
+                <a:cs typeface="Open Sans"/>
+                <a:sym typeface="Open Sans"/>
+              </a:rPr>
+              <a:t>)</a:t>
+            </a:r>
+            <a:r>
+              <a:rPr lang="el-GR" sz="1100" b="0" i="0" dirty="0">
+                <a:solidFill>
+                  <a:srgbClr val="E8EAED"/>
+                </a:solidFill>
+                <a:effectLst/>
+                <a:latin typeface="+mj-lt"/>
+                <a:ea typeface="Open Sans"/>
+                <a:cs typeface="Open Sans"/>
+                <a:sym typeface="Open Sans"/>
+              </a:rPr>
+              <a:t> ή </a:t>
+            </a:r>
+            <a:r>
+              <a:rPr lang="en-US" sz="1100" b="0" i="0" dirty="0">
+                <a:solidFill>
+                  <a:srgbClr val="E8EAED"/>
+                </a:solidFill>
+                <a:effectLst/>
+                <a:latin typeface="+mj-lt"/>
+                <a:ea typeface="Open Sans"/>
+                <a:cs typeface="Open Sans"/>
+                <a:sym typeface="Open Sans"/>
+              </a:rPr>
+              <a:t>Benchmark + free</a:t>
+            </a:r>
+            <a:endParaRPr lang="en-US" sz="1100" dirty="0">
+              <a:latin typeface="+mj-lt"/>
+              <a:ea typeface="Open Sans"/>
+              <a:cs typeface="Open Sans"/>
+              <a:sym typeface="Open Sans"/>
+            </a:endParaRPr>
+          </a:p>
+          <a:p>
+            <a:pPr marL="0" lvl="0" indent="0" algn="l" rtl="0">
+              <a:spcBef>
+                <a:spcPts val="0"/>
+              </a:spcBef>
+              <a:spcAft>
+                <a:spcPts val="0"/>
+              </a:spcAft>
+              <a:buNone/>
+            </a:pPr>
+            <a:r>
+              <a:rPr lang="el-GR" sz="1100" dirty="0">
+                <a:solidFill>
+                  <a:schemeClr val="dk1"/>
+                </a:solidFill>
+                <a:latin typeface="+mj-lt"/>
+                <a:ea typeface="Open Sans"/>
+                <a:cs typeface="Open Sans"/>
+                <a:sym typeface="Open Sans"/>
+              </a:rPr>
+              <a:t>Είναι όμως δίκαιο το σύστημα;</a:t>
+            </a:r>
+            <a:endParaRPr lang="en-US" sz="1100" dirty="0">
+              <a:solidFill>
+                <a:schemeClr val="dk1"/>
+              </a:solidFill>
+              <a:latin typeface="+mj-lt"/>
+              <a:ea typeface="Open Sans"/>
+              <a:cs typeface="Open Sans"/>
+              <a:sym typeface="Open Sans"/>
+            </a:endParaRPr>
+          </a:p>
+          <a:p>
+            <a:pPr marL="0" lvl="0" indent="0" algn="l" rtl="0">
+              <a:spcBef>
+                <a:spcPts val="0"/>
+              </a:spcBef>
+              <a:spcAft>
+                <a:spcPts val="0"/>
+              </a:spcAft>
+              <a:buNone/>
+            </a:pPr>
+            <a:endParaRPr dirty="0">
+              <a:latin typeface="+mj-lt"/>
+            </a:endParaRPr>
+          </a:p>
+        </p:txBody>
+      </p:sp>
+    </p:spTree>
+    <p:extLst>
+      <p:ext uri="{BB962C8B-B14F-4D97-AF65-F5344CB8AC3E}">
+        <p14:creationId xmlns:p14="http://schemas.microsoft.com/office/powerpoint/2010/main" val="4005102176"/>
+      </p:ext>
+    </p:extLst>
+  </p:cSld>
+  <p:clrMapOvr>
+    <a:masterClrMapping/>
+  </p:clrMapOvr>
+</p:notes>
+</file>
+
+<file path=ppt/notesSlides/notesSlide4.xml><?xml version="1.0" encoding="utf-8"?>
+<p:notes xmlns:a="http://schemas.openxmlformats.org/drawingml/2006/main" xmlns:r="http://schemas.openxmlformats.org/officeDocument/2006/relationships" xmlns:p="http://schemas.openxmlformats.org/presentationml/2006/main" showMasterSp="0" showMasterPhAnim="0">
+  <p:cSld>
+    <p:spTree>
+      <p:nvGrpSpPr>
+        <p:cNvPr id="1" name="Shape 58"/>
+        <p:cNvGrpSpPr/>
+        <p:nvPr/>
+      </p:nvGrpSpPr>
+      <p:grpSpPr>
+        <a:xfrm>
+          <a:off x="0" y="0"/>
+          <a:ext cx="0" cy="0"/>
+          <a:chOff x="0" y="0"/>
+          <a:chExt cx="0" cy="0"/>
+        </a:xfrm>
+      </p:grpSpPr>
+      <p:sp>
+        <p:nvSpPr>
+          <p:cNvPr id="59" name="Google Shape;59;g194c55d3b57_0_0:notes"/>
+          <p:cNvSpPr>
+            <a:spLocks noGrp="1" noRot="1" noChangeAspect="1"/>
+          </p:cNvSpPr>
+          <p:nvPr>
+            <p:ph type="sldImg" idx="2"/>
+          </p:nvPr>
+        </p:nvSpPr>
+        <p:spPr>
+          <a:xfrm>
+            <a:off x="381000" y="685800"/>
+            <a:ext cx="6096000" cy="3429000"/>
+          </a:xfrm>
+          <a:custGeom>
+            <a:avLst/>
+            <a:gdLst/>
+            <a:ahLst/>
+            <a:cxnLst/>
+            <a:rect l="l" t="t" r="r" b="b"/>
+            <a:pathLst>
+              <a:path w="120000" h="120000" extrusionOk="0">
+                <a:moveTo>
+                  <a:pt x="0" y="0"/>
+                </a:moveTo>
+                <a:lnTo>
+                  <a:pt x="120000" y="0"/>
+                </a:lnTo>
+                <a:lnTo>
+                  <a:pt x="120000" y="120000"/>
+                </a:lnTo>
+                <a:lnTo>
+                  <a:pt x="0" y="120000"/>
+                </a:lnTo>
+                <a:close/>
+              </a:path>
+            </a:pathLst>
+          </a:custGeom>
+        </p:spPr>
+      </p:sp>
+      <p:sp>
+        <p:nvSpPr>
+          <p:cNvPr id="60" name="Google Shape;60;g194c55d3b57_0_0:notes"/>
+          <p:cNvSpPr txBox="1">
+            <a:spLocks noGrp="1"/>
+          </p:cNvSpPr>
+          <p:nvPr>
+            <p:ph type="body" idx="1"/>
+          </p:nvPr>
+        </p:nvSpPr>
+        <p:spPr>
+          <a:xfrm>
+            <a:off x="685800" y="4343400"/>
+            <a:ext cx="5486400" cy="4114800"/>
+          </a:xfrm>
+          <a:prstGeom prst="rect">
+            <a:avLst/>
+          </a:prstGeom>
+        </p:spPr>
+        <p:txBody>
+          <a:bodyPr spcFirstLastPara="1" wrap="square" lIns="91425" tIns="91425" rIns="91425" bIns="91425" anchor="t" anchorCtr="0">
+            <a:noAutofit/>
+          </a:bodyPr>
+          <a:lstStyle/>
+          <a:p>
+            <a:pPr marL="0" lvl="0" indent="0" algn="l" rtl="0">
+              <a:spcBef>
+                <a:spcPts val="0"/>
+              </a:spcBef>
+              <a:spcAft>
+                <a:spcPts val="0"/>
+              </a:spcAft>
+              <a:buNone/>
+            </a:pPr>
+            <a:r>
+              <a:rPr lang="en-US" sz="1100" dirty="0">
+                <a:latin typeface="Open Sans"/>
+                <a:ea typeface="Open Sans"/>
+                <a:cs typeface="Open Sans"/>
+                <a:sym typeface="Open Sans"/>
+              </a:rPr>
+              <a:t>Designed to be fair between sectors</a:t>
+            </a:r>
+          </a:p>
+          <a:p>
+            <a:pPr marL="0" lvl="0" indent="0" algn="l" rtl="0">
+              <a:spcBef>
+                <a:spcPts val="0"/>
+              </a:spcBef>
+              <a:spcAft>
+                <a:spcPts val="0"/>
+              </a:spcAft>
+              <a:buNone/>
+            </a:pPr>
+            <a:r>
+              <a:rPr lang="en-US" sz="1100" dirty="0">
+                <a:solidFill>
+                  <a:schemeClr val="dk1"/>
+                </a:solidFill>
+                <a:latin typeface="Open Sans"/>
+                <a:ea typeface="Open Sans"/>
+                <a:cs typeface="Open Sans"/>
+                <a:sym typeface="Open Sans"/>
+              </a:rPr>
+              <a:t>Is it fair between other Stakeholders?</a:t>
+            </a:r>
+            <a:r>
+              <a:rPr lang="el-GR" sz="1100" dirty="0">
+                <a:solidFill>
+                  <a:schemeClr val="dk1"/>
+                </a:solidFill>
+                <a:latin typeface="Open Sans"/>
+                <a:ea typeface="Open Sans"/>
+                <a:cs typeface="Open Sans"/>
+                <a:sym typeface="Open Sans"/>
+              </a:rPr>
+              <a:t> Θα εξετάσουμε τι συμβαίνει μεταξύ χωρών</a:t>
+            </a:r>
+            <a:endParaRPr lang="en-US" sz="1100" dirty="0">
+              <a:solidFill>
+                <a:schemeClr val="dk1"/>
+              </a:solidFill>
+              <a:latin typeface="Open Sans"/>
+              <a:ea typeface="Open Sans"/>
+              <a:cs typeface="Open Sans"/>
+              <a:sym typeface="Open Sans"/>
+            </a:endParaRPr>
+          </a:p>
+          <a:p>
+            <a:pPr marL="0" lvl="0" indent="0" algn="l" rtl="0">
+              <a:spcBef>
+                <a:spcPts val="0"/>
+              </a:spcBef>
+              <a:spcAft>
+                <a:spcPts val="0"/>
+              </a:spcAft>
+              <a:buNone/>
+            </a:pPr>
+            <a:r>
+              <a:rPr lang="en-US" sz="1100" dirty="0">
+                <a:solidFill>
+                  <a:schemeClr val="dk1"/>
+                </a:solidFill>
+                <a:latin typeface="Open Sans"/>
+                <a:ea typeface="Open Sans"/>
+                <a:cs typeface="Open Sans"/>
+                <a:sym typeface="Open Sans"/>
+              </a:rPr>
+              <a:t>How can this be measured? Equals, get Equal. Do they?</a:t>
+            </a:r>
+          </a:p>
+          <a:p>
+            <a:pPr marL="0" lvl="0" indent="0" algn="l" rtl="0">
+              <a:spcBef>
+                <a:spcPts val="0"/>
+              </a:spcBef>
+              <a:spcAft>
+                <a:spcPts val="0"/>
+              </a:spcAft>
+              <a:buNone/>
+            </a:pPr>
+            <a:r>
+              <a:rPr lang="el-GR" sz="1100" dirty="0">
+                <a:solidFill>
+                  <a:schemeClr val="dk1"/>
+                </a:solidFill>
+                <a:latin typeface="Open Sans"/>
+                <a:ea typeface="Open Sans"/>
+                <a:cs typeface="Open Sans"/>
+                <a:sym typeface="Open Sans"/>
+              </a:rPr>
+              <a:t>Βλέπουμε πως αποτυγχάνει κάπως, επομένως …</a:t>
+            </a:r>
+            <a:endParaRPr lang="en-US" sz="1100" dirty="0">
+              <a:solidFill>
+                <a:schemeClr val="dk1"/>
+              </a:solidFill>
+              <a:latin typeface="Open Sans"/>
+              <a:ea typeface="Open Sans"/>
+              <a:cs typeface="Open Sans"/>
+              <a:sym typeface="Open Sans"/>
+            </a:endParaRPr>
+          </a:p>
+          <a:p>
+            <a:pPr marL="0" lvl="0" indent="0" algn="l" rtl="0">
+              <a:spcBef>
+                <a:spcPts val="0"/>
+              </a:spcBef>
+              <a:spcAft>
+                <a:spcPts val="0"/>
+              </a:spcAft>
+              <a:buNone/>
+            </a:pPr>
+            <a:endParaRPr dirty="0"/>
+          </a:p>
+        </p:txBody>
+      </p:sp>
+    </p:spTree>
+    <p:extLst>
+      <p:ext uri="{BB962C8B-B14F-4D97-AF65-F5344CB8AC3E}">
+        <p14:creationId xmlns:p14="http://schemas.microsoft.com/office/powerpoint/2010/main" val="880470144"/>
+      </p:ext>
+    </p:extLst>
+  </p:cSld>
+  <p:clrMapOvr>
+    <a:masterClrMapping/>
+  </p:clrMapOvr>
+</p:notes>
+</file>
+
+<file path=ppt/notesSlides/notesSlide5.xml><?xml version="1.0" encoding="utf-8"?>
+<p:notes xmlns:a="http://schemas.openxmlformats.org/drawingml/2006/main" xmlns:r="http://schemas.openxmlformats.org/officeDocument/2006/relationships" xmlns:p="http://schemas.openxmlformats.org/presentationml/2006/main" showMasterSp="0" showMasterPhAnim="0">
+  <p:cSld>
+    <p:spTree>
+      <p:nvGrpSpPr>
+        <p:cNvPr id="1" name="Shape 58"/>
+        <p:cNvGrpSpPr/>
+        <p:nvPr/>
+      </p:nvGrpSpPr>
+      <p:grpSpPr>
+        <a:xfrm>
+          <a:off x="0" y="0"/>
+          <a:ext cx="0" cy="0"/>
+          <a:chOff x="0" y="0"/>
+          <a:chExt cx="0" cy="0"/>
+        </a:xfrm>
+      </p:grpSpPr>
+      <p:sp>
+        <p:nvSpPr>
+          <p:cNvPr id="59" name="Google Shape;59;g194c55d3b57_0_0:notes"/>
+          <p:cNvSpPr>
+            <a:spLocks noGrp="1" noRot="1" noChangeAspect="1"/>
+          </p:cNvSpPr>
+          <p:nvPr>
+            <p:ph type="sldImg" idx="2"/>
+          </p:nvPr>
+        </p:nvSpPr>
+        <p:spPr>
+          <a:xfrm>
+            <a:off x="381000" y="685800"/>
+            <a:ext cx="6096000" cy="3429000"/>
+          </a:xfrm>
+          <a:custGeom>
+            <a:avLst/>
+            <a:gdLst/>
+            <a:ahLst/>
+            <a:cxnLst/>
+            <a:rect l="l" t="t" r="r" b="b"/>
+            <a:pathLst>
+              <a:path w="120000" h="120000" extrusionOk="0">
+                <a:moveTo>
+                  <a:pt x="0" y="0"/>
+                </a:moveTo>
+                <a:lnTo>
+                  <a:pt x="120000" y="0"/>
+                </a:lnTo>
+                <a:lnTo>
+                  <a:pt x="120000" y="120000"/>
+                </a:lnTo>
+                <a:lnTo>
+                  <a:pt x="0" y="120000"/>
+                </a:lnTo>
+                <a:close/>
+              </a:path>
+            </a:pathLst>
+          </a:custGeom>
+        </p:spPr>
+      </p:sp>
+      <p:sp>
+        <p:nvSpPr>
+          <p:cNvPr id="60" name="Google Shape;60;g194c55d3b57_0_0:notes"/>
+          <p:cNvSpPr txBox="1">
+            <a:spLocks noGrp="1"/>
+          </p:cNvSpPr>
+          <p:nvPr>
+            <p:ph type="body" idx="1"/>
+          </p:nvPr>
+        </p:nvSpPr>
+        <p:spPr>
+          <a:xfrm>
+            <a:off x="685800" y="4343400"/>
+            <a:ext cx="5486400" cy="4114800"/>
+          </a:xfrm>
+          <a:prstGeom prst="rect">
+            <a:avLst/>
+          </a:prstGeom>
+        </p:spPr>
+        <p:txBody>
+          <a:bodyPr spcFirstLastPara="1" wrap="square" lIns="91425" tIns="91425" rIns="91425" bIns="91425" anchor="t" anchorCtr="0">
+            <a:noAutofit/>
+          </a:bodyPr>
+          <a:lstStyle/>
+          <a:p>
+            <a:pPr marL="0" lvl="0" indent="0" algn="l" rtl="0">
+              <a:spcBef>
+                <a:spcPts val="0"/>
+              </a:spcBef>
+              <a:spcAft>
+                <a:spcPts val="0"/>
+              </a:spcAft>
+              <a:buNone/>
+            </a:pPr>
+            <a:r>
+              <a:rPr lang="el-GR" sz="1100" dirty="0">
+                <a:solidFill>
+                  <a:schemeClr val="dk1"/>
+                </a:solidFill>
+                <a:latin typeface="Open Sans"/>
+                <a:ea typeface="Open Sans"/>
+                <a:cs typeface="Open Sans"/>
+                <a:sym typeface="Open Sans"/>
+              </a:rPr>
+              <a:t>Παίρνοντας αρκετά δεδομένα για τις χώρες, τις χωρίσαμε σε 3 συστάδες. </a:t>
+            </a:r>
+          </a:p>
+          <a:p>
+            <a:pPr marL="0" lvl="0" indent="0" algn="l" rtl="0">
+              <a:spcBef>
+                <a:spcPts val="0"/>
+              </a:spcBef>
+              <a:spcAft>
+                <a:spcPts val="0"/>
+              </a:spcAft>
+              <a:buNone/>
+            </a:pPr>
+            <a:r>
+              <a:rPr lang="el-GR" sz="1100" dirty="0">
+                <a:solidFill>
+                  <a:schemeClr val="dk1"/>
+                </a:solidFill>
+                <a:latin typeface="Open Sans"/>
+                <a:ea typeface="Open Sans"/>
+                <a:cs typeface="Open Sans"/>
+                <a:sym typeface="Open Sans"/>
+              </a:rPr>
+              <a:t>Η συστάδες εσωτερικά δείχνουν να εξηγούν καλύτερα το </a:t>
+            </a:r>
+            <a:r>
+              <a:rPr lang="en-US" sz="1100" dirty="0">
+                <a:solidFill>
+                  <a:schemeClr val="dk1"/>
+                </a:solidFill>
+                <a:latin typeface="Open Sans"/>
+                <a:ea typeface="Open Sans"/>
+                <a:cs typeface="Open Sans"/>
+                <a:sym typeface="Open Sans"/>
+              </a:rPr>
+              <a:t>allocation, </a:t>
+            </a:r>
+            <a:r>
+              <a:rPr lang="el-GR" sz="1100" dirty="0">
+                <a:solidFill>
+                  <a:schemeClr val="dk1"/>
+                </a:solidFill>
+                <a:latin typeface="Open Sans"/>
+                <a:ea typeface="Open Sans"/>
+                <a:cs typeface="Open Sans"/>
+                <a:sym typeface="Open Sans"/>
+              </a:rPr>
+              <a:t>όχι όμως αναγκαστικά με βάση το ίδιο δεδομένο. </a:t>
+            </a:r>
+          </a:p>
+          <a:p>
+            <a:pPr marL="0" lvl="0" indent="0" algn="l" rtl="0">
+              <a:spcBef>
+                <a:spcPts val="0"/>
+              </a:spcBef>
+              <a:spcAft>
+                <a:spcPts val="0"/>
+              </a:spcAft>
+              <a:buNone/>
+            </a:pPr>
+            <a:r>
+              <a:rPr lang="el-GR" sz="1100" dirty="0">
+                <a:solidFill>
+                  <a:schemeClr val="dk1"/>
+                </a:solidFill>
+                <a:latin typeface="Open Sans"/>
+                <a:ea typeface="Open Sans"/>
+                <a:cs typeface="Open Sans"/>
+                <a:sym typeface="Open Sans"/>
+              </a:rPr>
+              <a:t>Το οποίο μας δείχνει ενδιαφέρουσες πληροφορίες, τις οποίες μπορούμε να μελετήσουμε αναλυτικά. </a:t>
+            </a:r>
+          </a:p>
+          <a:p>
+            <a:pPr marL="0" lvl="0" indent="0" algn="l" rtl="0">
+              <a:spcBef>
+                <a:spcPts val="0"/>
+              </a:spcBef>
+              <a:spcAft>
+                <a:spcPts val="0"/>
+              </a:spcAft>
+              <a:buNone/>
+            </a:pPr>
+            <a:r>
+              <a:rPr lang="el-GR" sz="1100" dirty="0">
+                <a:solidFill>
+                  <a:schemeClr val="dk1"/>
+                </a:solidFill>
+                <a:latin typeface="Open Sans"/>
+                <a:ea typeface="Open Sans"/>
+                <a:cs typeface="Open Sans"/>
+                <a:sym typeface="Open Sans"/>
+              </a:rPr>
+              <a:t>Θα μπορούσαμε να φτιάξουμε κάποιο μοντέλο το οποίο θα μπορούσε να μας βοηθήσει να καταλάβουμε γιατί είναι το </a:t>
+            </a:r>
+            <a:r>
+              <a:rPr lang="en-US" sz="1100" dirty="0">
+                <a:solidFill>
+                  <a:schemeClr val="dk1"/>
+                </a:solidFill>
+                <a:latin typeface="Open Sans"/>
+                <a:ea typeface="Open Sans"/>
+                <a:cs typeface="Open Sans"/>
+                <a:sym typeface="Open Sans"/>
+              </a:rPr>
+              <a:t>allocation </a:t>
+            </a:r>
+            <a:r>
+              <a:rPr lang="el-GR" sz="1100" dirty="0">
+                <a:solidFill>
+                  <a:schemeClr val="dk1"/>
+                </a:solidFill>
+                <a:latin typeface="Open Sans"/>
+                <a:ea typeface="Open Sans"/>
+                <a:cs typeface="Open Sans"/>
+                <a:sym typeface="Open Sans"/>
+              </a:rPr>
+              <a:t>όπως είναι;</a:t>
+            </a:r>
+          </a:p>
+        </p:txBody>
+      </p:sp>
+    </p:spTree>
+    <p:extLst>
+      <p:ext uri="{BB962C8B-B14F-4D97-AF65-F5344CB8AC3E}">
+        <p14:creationId xmlns:p14="http://schemas.microsoft.com/office/powerpoint/2010/main" val="222023541"/>
+      </p:ext>
+    </p:extLst>
+  </p:cSld>
+  <p:clrMapOvr>
+    <a:masterClrMapping/>
+  </p:clrMapOvr>
+</p:notes>
+</file>
+
+<file path=ppt/notesSlides/notesSlide6.xml><?xml version="1.0" encoding="utf-8"?>
+<p:notes xmlns:a="http://schemas.openxmlformats.org/drawingml/2006/main" xmlns:r="http://schemas.openxmlformats.org/officeDocument/2006/relationships" xmlns:p="http://schemas.openxmlformats.org/presentationml/2006/main" showMasterSp="0" showMasterPhAnim="0">
+  <p:cSld>
+    <p:spTree>
+      <p:nvGrpSpPr>
+        <p:cNvPr id="1" name="Shape 58"/>
+        <p:cNvGrpSpPr/>
+        <p:nvPr/>
+      </p:nvGrpSpPr>
+      <p:grpSpPr>
+        <a:xfrm>
+          <a:off x="0" y="0"/>
+          <a:ext cx="0" cy="0"/>
+          <a:chOff x="0" y="0"/>
+          <a:chExt cx="0" cy="0"/>
+        </a:xfrm>
+      </p:grpSpPr>
+      <p:sp>
+        <p:nvSpPr>
+          <p:cNvPr id="59" name="Google Shape;59;g194c55d3b57_0_0:notes"/>
+          <p:cNvSpPr>
+            <a:spLocks noGrp="1" noRot="1" noChangeAspect="1"/>
+          </p:cNvSpPr>
+          <p:nvPr>
+            <p:ph type="sldImg" idx="2"/>
+          </p:nvPr>
+        </p:nvSpPr>
+        <p:spPr>
+          <a:xfrm>
+            <a:off x="381000" y="685800"/>
+            <a:ext cx="6096000" cy="3429000"/>
+          </a:xfrm>
+          <a:custGeom>
+            <a:avLst/>
+            <a:gdLst/>
+            <a:ahLst/>
+            <a:cxnLst/>
+            <a:rect l="l" t="t" r="r" b="b"/>
+            <a:pathLst>
+              <a:path w="120000" h="120000" extrusionOk="0">
+                <a:moveTo>
+                  <a:pt x="0" y="0"/>
+                </a:moveTo>
+                <a:lnTo>
+                  <a:pt x="120000" y="0"/>
+                </a:lnTo>
+                <a:lnTo>
+                  <a:pt x="120000" y="120000"/>
+                </a:lnTo>
+                <a:lnTo>
+                  <a:pt x="0" y="120000"/>
+                </a:lnTo>
+                <a:close/>
+              </a:path>
+            </a:pathLst>
+          </a:custGeom>
+        </p:spPr>
+      </p:sp>
+      <p:sp>
+        <p:nvSpPr>
+          <p:cNvPr id="60" name="Google Shape;60;g194c55d3b57_0_0:notes"/>
+          <p:cNvSpPr txBox="1">
+            <a:spLocks noGrp="1"/>
+          </p:cNvSpPr>
+          <p:nvPr>
+            <p:ph type="body" idx="1"/>
+          </p:nvPr>
+        </p:nvSpPr>
+        <p:spPr>
+          <a:xfrm>
+            <a:off x="685800" y="4343400"/>
+            <a:ext cx="5486400" cy="4114800"/>
+          </a:xfrm>
+          <a:prstGeom prst="rect">
+            <a:avLst/>
+          </a:prstGeom>
+        </p:spPr>
+        <p:txBody>
+          <a:bodyPr spcFirstLastPara="1" wrap="square" lIns="91425" tIns="91425" rIns="91425" bIns="91425" anchor="t" anchorCtr="0">
+            <a:noAutofit/>
+          </a:bodyPr>
+          <a:lstStyle/>
+          <a:p>
+            <a:pPr marL="0" lvl="0" indent="0" algn="l" rtl="0">
+              <a:spcBef>
+                <a:spcPts val="0"/>
+              </a:spcBef>
+              <a:spcAft>
+                <a:spcPts val="0"/>
+              </a:spcAft>
+              <a:buNone/>
+            </a:pPr>
+            <a:r>
+              <a:rPr lang="el-GR" dirty="0"/>
+              <a:t>Αυτή είναι η πρότασή μας για ένα απλό αλλά ευέλικτο πρόβλημα βελτιστοποίησης, το οποίο μπορεί να </a:t>
+            </a:r>
+            <a:r>
+              <a:rPr lang="el-GR" dirty="0" err="1"/>
+              <a:t>παραμετροποιηθεί</a:t>
+            </a:r>
+            <a:r>
+              <a:rPr lang="el-GR" dirty="0"/>
+              <a:t> σε πολύ μεγάλο βαθμό και να μας δείξει διαφορετικές αναθέσεις ρίπων. </a:t>
+            </a:r>
+          </a:p>
+          <a:p>
+            <a:pPr marL="0" lvl="0" indent="0" algn="l" rtl="0">
+              <a:spcBef>
+                <a:spcPts val="0"/>
+              </a:spcBef>
+              <a:spcAft>
+                <a:spcPts val="0"/>
+              </a:spcAft>
+              <a:buNone/>
+            </a:pPr>
+            <a:r>
+              <a:rPr lang="el-GR" dirty="0"/>
+              <a:t>Επεξήγηση του </a:t>
+            </a:r>
+            <a:r>
+              <a:rPr lang="en-US" dirty="0"/>
+              <a:t>LP</a:t>
+            </a:r>
+          </a:p>
+          <a:p>
+            <a:pPr marL="0" lvl="0" indent="0" algn="l" rtl="0">
+              <a:spcBef>
+                <a:spcPts val="0"/>
+              </a:spcBef>
+              <a:spcAft>
+                <a:spcPts val="0"/>
+              </a:spcAft>
+              <a:buNone/>
+            </a:pPr>
+            <a:r>
+              <a:rPr lang="el-GR" dirty="0"/>
+              <a:t>Λέμε πως αυτό είναι η πρόταση που θα χρησιμοποιήσουμε στο μέλλον για να συνεχίσουμε την έρευνα σε αυτό. </a:t>
+            </a:r>
+            <a:endParaRPr lang="en-US" dirty="0"/>
+          </a:p>
+          <a:p>
+            <a:pPr marL="0" lvl="0" indent="0" algn="l" rtl="0">
+              <a:spcBef>
+                <a:spcPts val="0"/>
+              </a:spcBef>
+              <a:spcAft>
+                <a:spcPts val="0"/>
+              </a:spcAft>
+              <a:buNone/>
+            </a:pPr>
+            <a:endParaRPr lang="en-US" dirty="0"/>
+          </a:p>
+          <a:p>
+            <a:pPr marL="0" lvl="0" indent="0" algn="l" rtl="0">
+              <a:spcBef>
+                <a:spcPts val="0"/>
+              </a:spcBef>
+              <a:spcAft>
+                <a:spcPts val="0"/>
+              </a:spcAft>
+              <a:buNone/>
+            </a:pPr>
+            <a:r>
+              <a:rPr lang="el-GR" dirty="0"/>
+              <a:t>Ίσως εδώ να πρέπει να δείξουμε και κάποια </a:t>
+            </a:r>
+            <a:r>
+              <a:rPr lang="en-US" dirty="0"/>
+              <a:t>allocations </a:t>
+            </a:r>
+            <a:r>
+              <a:rPr lang="el-GR" dirty="0"/>
+              <a:t>που προκύπτουν διαφορετικά με αυτό. </a:t>
+            </a:r>
+          </a:p>
+        </p:txBody>
+      </p:sp>
+    </p:spTree>
+    <p:extLst>
+      <p:ext uri="{BB962C8B-B14F-4D97-AF65-F5344CB8AC3E}">
+        <p14:creationId xmlns:p14="http://schemas.microsoft.com/office/powerpoint/2010/main" val="2839172823"/>
+      </p:ext>
+    </p:extLst>
+  </p:cSld>
+  <p:clrMapOvr>
+    <a:masterClrMapping/>
+  </p:clrMapOvr>
+</p:notes>
+</file>
+
+<file path=ppt/notesSlides/notesSlide7.xml><?xml version="1.0" encoding="utf-8"?>
 <p:notes xmlns:a="http://schemas.openxmlformats.org/drawingml/2006/main" xmlns:r="http://schemas.openxmlformats.org/officeDocument/2006/relationships" xmlns:p="http://schemas.openxmlformats.org/presentationml/2006/main" showMasterSp="0" showMasterPhAnim="0">
   <p:cSld>
     <p:spTree>
@@ -1040,6 +2007,115 @@
     <p:extLst>
       <p:ext uri="{BB962C8B-B14F-4D97-AF65-F5344CB8AC3E}">
         <p14:creationId xmlns:p14="http://schemas.microsoft.com/office/powerpoint/2010/main" val="1866330370"/>
+      </p:ext>
+    </p:extLst>
+  </p:cSld>
+  <p:clrMapOvr>
+    <a:masterClrMapping/>
+  </p:clrMapOvr>
+</p:notes>
+</file>
+
+<file path=ppt/notesSlides/notesSlide8.xml><?xml version="1.0" encoding="utf-8"?>
+<p:notes xmlns:a="http://schemas.openxmlformats.org/drawingml/2006/main" xmlns:r="http://schemas.openxmlformats.org/officeDocument/2006/relationships" xmlns:p="http://schemas.openxmlformats.org/presentationml/2006/main" showMasterSp="0" showMasterPhAnim="0">
+  <p:cSld>
+    <p:spTree>
+      <p:nvGrpSpPr>
+        <p:cNvPr id="1" name="Shape 58"/>
+        <p:cNvGrpSpPr/>
+        <p:nvPr/>
+      </p:nvGrpSpPr>
+      <p:grpSpPr>
+        <a:xfrm>
+          <a:off x="0" y="0"/>
+          <a:ext cx="0" cy="0"/>
+          <a:chOff x="0" y="0"/>
+          <a:chExt cx="0" cy="0"/>
+        </a:xfrm>
+      </p:grpSpPr>
+      <p:sp>
+        <p:nvSpPr>
+          <p:cNvPr id="59" name="Google Shape;59;g194c55d3b57_0_0:notes"/>
+          <p:cNvSpPr>
+            <a:spLocks noGrp="1" noRot="1" noChangeAspect="1"/>
+          </p:cNvSpPr>
+          <p:nvPr>
+            <p:ph type="sldImg" idx="2"/>
+          </p:nvPr>
+        </p:nvSpPr>
+        <p:spPr>
+          <a:xfrm>
+            <a:off x="381000" y="685800"/>
+            <a:ext cx="6096000" cy="3429000"/>
+          </a:xfrm>
+          <a:custGeom>
+            <a:avLst/>
+            <a:gdLst/>
+            <a:ahLst/>
+            <a:cxnLst/>
+            <a:rect l="l" t="t" r="r" b="b"/>
+            <a:pathLst>
+              <a:path w="120000" h="120000" extrusionOk="0">
+                <a:moveTo>
+                  <a:pt x="0" y="0"/>
+                </a:moveTo>
+                <a:lnTo>
+                  <a:pt x="120000" y="0"/>
+                </a:lnTo>
+                <a:lnTo>
+                  <a:pt x="120000" y="120000"/>
+                </a:lnTo>
+                <a:lnTo>
+                  <a:pt x="0" y="120000"/>
+                </a:lnTo>
+                <a:close/>
+              </a:path>
+            </a:pathLst>
+          </a:custGeom>
+        </p:spPr>
+      </p:sp>
+      <p:sp>
+        <p:nvSpPr>
+          <p:cNvPr id="60" name="Google Shape;60;g194c55d3b57_0_0:notes"/>
+          <p:cNvSpPr txBox="1">
+            <a:spLocks noGrp="1"/>
+          </p:cNvSpPr>
+          <p:nvPr>
+            <p:ph type="body" idx="1"/>
+          </p:nvPr>
+        </p:nvSpPr>
+        <p:spPr>
+          <a:xfrm>
+            <a:off x="685800" y="4343400"/>
+            <a:ext cx="5486400" cy="4114800"/>
+          </a:xfrm>
+          <a:prstGeom prst="rect">
+            <a:avLst/>
+          </a:prstGeom>
+        </p:spPr>
+        <p:txBody>
+          <a:bodyPr spcFirstLastPara="1" wrap="square" lIns="91425" tIns="91425" rIns="91425" bIns="91425" anchor="t" anchorCtr="0">
+            <a:noAutofit/>
+          </a:bodyPr>
+          <a:lstStyle/>
+          <a:p>
+            <a:pPr marL="0" lvl="0" indent="0" algn="l" rtl="0">
+              <a:spcBef>
+                <a:spcPts val="0"/>
+              </a:spcBef>
+              <a:spcAft>
+                <a:spcPts val="0"/>
+              </a:spcAft>
+              <a:buNone/>
+            </a:pPr>
+            <a:endParaRPr/>
+          </a:p>
+        </p:txBody>
+      </p:sp>
+    </p:spTree>
+    <p:extLst>
+      <p:ext uri="{BB962C8B-B14F-4D97-AF65-F5344CB8AC3E}">
+        <p14:creationId xmlns:p14="http://schemas.microsoft.com/office/powerpoint/2010/main" val="3099398269"/>
       </p:ext>
     </p:extLst>
   </p:cSld>
@@ -5854,7 +6930,7 @@
         <p:spPr>
           <a:xfrm>
             <a:off x="222450" y="2891467"/>
-            <a:ext cx="8732364" cy="615523"/>
+            <a:ext cx="8732364" cy="1046410"/>
           </a:xfrm>
           <a:prstGeom prst="rect">
             <a:avLst/>
@@ -5880,31 +6956,13 @@
               <a:buNone/>
             </a:pPr>
             <a:r>
-              <a:rPr lang="el" sz="2800" dirty="0">
-                <a:latin typeface="Open Sans SemiBold"/>
-                <a:ea typeface="Open Sans SemiBold"/>
-                <a:cs typeface="Open Sans SemiBold"/>
-                <a:sym typeface="Open Sans SemiBold"/>
-              </a:rPr>
-              <a:t>Title of my presentation-“Open Sans Semibold 2</a:t>
-            </a:r>
-            <a:r>
               <a:rPr lang="en-US" sz="2800" dirty="0">
                 <a:latin typeface="Open Sans SemiBold"/>
                 <a:ea typeface="Open Sans SemiBold"/>
                 <a:cs typeface="Open Sans SemiBold"/>
                 <a:sym typeface="Open Sans SemiBold"/>
               </a:rPr>
-              <a:t>8</a:t>
-            </a:r>
-            <a:r>
-              <a:rPr lang="el" sz="2800" dirty="0">
-                <a:latin typeface="Open Sans SemiBold"/>
-                <a:ea typeface="Open Sans SemiBold"/>
-                <a:cs typeface="Open Sans SemiBold"/>
-                <a:sym typeface="Open Sans SemiBold"/>
-              </a:rPr>
-              <a:t>”</a:t>
+              <a:t>Fair and Efficient Allocation of EU Emission Allowances</a:t>
             </a:r>
             <a:endParaRPr sz="2800" dirty="0">
               <a:latin typeface="Open Sans SemiBold"/>
@@ -5923,8 +6981,8 @@
         </p:nvSpPr>
         <p:spPr>
           <a:xfrm>
-            <a:off x="222449" y="3482504"/>
-            <a:ext cx="7154700" cy="461635"/>
+            <a:off x="222449" y="3788709"/>
+            <a:ext cx="7154700" cy="738633"/>
           </a:xfrm>
           <a:prstGeom prst="rect">
             <a:avLst/>
@@ -5950,36 +7008,21 @@
               <a:buNone/>
             </a:pPr>
             <a:r>
-              <a:rPr lang="el" sz="1800" dirty="0">
-                <a:latin typeface="Open Sans SemiBold"/>
-                <a:ea typeface="Open Sans SemiBold"/>
-                <a:cs typeface="Open Sans SemiBold"/>
-                <a:sym typeface="Open Sans SemiBold"/>
+              <a:rPr lang="en-US" sz="1800" b="1" i="0" u="none" strike="noStrike" dirty="0">
+                <a:solidFill>
+                  <a:srgbClr val="000000"/>
+                </a:solidFill>
+                <a:effectLst/>
+                <a:latin typeface="Open Sans SemiBold" panose="020B0706030804020204" pitchFamily="34" charset="0"/>
+                <a:ea typeface="Open Sans SemiBold" panose="020B0706030804020204" pitchFamily="34" charset="0"/>
+                <a:cs typeface="Open Sans SemiBold" panose="020B0706030804020204" pitchFamily="34" charset="0"/>
               </a:rPr>
-              <a:t>Author (1), Author(2), Author (3) - “Open Sans Semibold 1</a:t>
-            </a:r>
-            <a:r>
-              <a:rPr lang="en-US" sz="1800" dirty="0">
-                <a:latin typeface="Open Sans SemiBold"/>
-                <a:ea typeface="Open Sans SemiBold"/>
-                <a:cs typeface="Open Sans SemiBold"/>
-                <a:sym typeface="Open Sans SemiBold"/>
-              </a:rPr>
-              <a:t>8</a:t>
-            </a:r>
-            <a:r>
-              <a:rPr lang="el" sz="1800" dirty="0">
-                <a:latin typeface="Open Sans SemiBold"/>
-                <a:ea typeface="Open Sans SemiBold"/>
-                <a:cs typeface="Open Sans SemiBold"/>
-                <a:sym typeface="Open Sans SemiBold"/>
-              </a:rPr>
-              <a:t>”</a:t>
+              <a:t>DIMOS S. (1), FOTAKIS D. (1), MATHIOUDAKI A. (1) and PAPADOPOULOS K. (1)</a:t>
             </a:r>
             <a:endParaRPr sz="1800" dirty="0">
-              <a:latin typeface="Open Sans SemiBold"/>
-              <a:ea typeface="Open Sans SemiBold"/>
-              <a:cs typeface="Open Sans SemiBold"/>
+              <a:latin typeface="Open Sans SemiBold" panose="020B0706030804020204" pitchFamily="34" charset="0"/>
+              <a:ea typeface="Open Sans SemiBold" panose="020B0706030804020204" pitchFamily="34" charset="0"/>
+              <a:cs typeface="Open Sans SemiBold" panose="020B0706030804020204" pitchFamily="34" charset="0"/>
               <a:sym typeface="Open Sans SemiBold"/>
             </a:endParaRPr>
           </a:p>
@@ -5993,8 +7036,8 @@
         </p:nvSpPr>
         <p:spPr>
           <a:xfrm>
-            <a:off x="222449" y="4092400"/>
-            <a:ext cx="7811941" cy="738633"/>
+            <a:off x="222449" y="4527342"/>
+            <a:ext cx="8093120" cy="738633"/>
           </a:xfrm>
           <a:prstGeom prst="rect">
             <a:avLst/>
@@ -6026,7 +7069,7 @@
                 <a:cs typeface="Open Sans"/>
                 <a:sym typeface="Open Sans"/>
               </a:rPr>
-              <a:t>1. Center/Faculty of..., University of..., Country -&gt; Please don’t include more details - “Open Sans Regular 1</a:t>
+              <a:t>1</a:t>
             </a:r>
             <a:r>
               <a:rPr lang="en-US" sz="1200" dirty="0">
@@ -6035,96 +7078,56 @@
                 <a:cs typeface="Open Sans"/>
                 <a:sym typeface="Open Sans"/>
               </a:rPr>
-              <a:t>2</a:t>
+              <a:t>. School of Electrical and Computer Engineering, National Technical University of Athens, </a:t>
             </a:r>
             <a:r>
-              <a:rPr lang="el" sz="1200" dirty="0">
+              <a:rPr lang="en-US" sz="1200" dirty="0" err="1">
                 <a:latin typeface="Open Sans"/>
                 <a:ea typeface="Open Sans"/>
                 <a:cs typeface="Open Sans"/>
                 <a:sym typeface="Open Sans"/>
               </a:rPr>
-              <a:t>”</a:t>
+              <a:t>Iroon</a:t>
             </a:r>
-            <a:endParaRPr sz="1200" dirty="0">
-              <a:latin typeface="Open Sans"/>
-              <a:ea typeface="Open Sans"/>
-              <a:cs typeface="Open Sans"/>
-              <a:sym typeface="Open Sans"/>
-            </a:endParaRPr>
-          </a:p>
-          <a:p>
-            <a:pPr marL="0" lvl="0" indent="0" algn="l" rtl="0">
-              <a:spcBef>
-                <a:spcPts val="0"/>
-              </a:spcBef>
-              <a:spcAft>
-                <a:spcPts val="0"/>
-              </a:spcAft>
-              <a:buNone/>
-            </a:pPr>
             <a:r>
-              <a:rPr lang="el" sz="1200" dirty="0">
+              <a:rPr lang="en-US" sz="1200" dirty="0">
                 <a:latin typeface="Open Sans"/>
                 <a:ea typeface="Open Sans"/>
                 <a:cs typeface="Open Sans"/>
                 <a:sym typeface="Open Sans"/>
               </a:rPr>
-              <a:t>2. </a:t>
+              <a:t> </a:t>
             </a:r>
             <a:r>
-              <a:rPr lang="el" sz="1200" dirty="0">
-                <a:solidFill>
-                  <a:schemeClr val="dk1"/>
-                </a:solidFill>
+              <a:rPr lang="en-US" sz="1200" dirty="0" err="1">
                 <a:latin typeface="Open Sans"/>
                 <a:ea typeface="Open Sans"/>
                 <a:cs typeface="Open Sans"/>
                 <a:sym typeface="Open Sans"/>
               </a:rPr>
-              <a:t>Center/Faculty of..., University of..., Country</a:t>
+              <a:t>Polytechniou</a:t>
             </a:r>
-            <a:endParaRPr sz="1200" dirty="0">
-              <a:solidFill>
-                <a:schemeClr val="dk1"/>
-              </a:solidFill>
-              <a:latin typeface="Open Sans"/>
-              <a:ea typeface="Open Sans"/>
-              <a:cs typeface="Open Sans"/>
-              <a:sym typeface="Open Sans"/>
-            </a:endParaRPr>
-          </a:p>
-          <a:p>
-            <a:pPr marL="0" lvl="0" indent="0" algn="l" rtl="0">
-              <a:spcBef>
-                <a:spcPts val="0"/>
-              </a:spcBef>
-              <a:spcAft>
-                <a:spcPts val="0"/>
-              </a:spcAft>
-              <a:buClr>
-                <a:schemeClr val="dk1"/>
-              </a:buClr>
-              <a:buSzPts val="1100"/>
-              <a:buFont typeface="Arial"/>
-              <a:buNone/>
-            </a:pPr>
             <a:r>
-              <a:rPr lang="el" sz="1200" dirty="0">
-                <a:solidFill>
-                  <a:schemeClr val="dk1"/>
-                </a:solidFill>
+              <a:rPr lang="en-US" sz="1200" dirty="0">
                 <a:latin typeface="Open Sans"/>
                 <a:ea typeface="Open Sans"/>
                 <a:cs typeface="Open Sans"/>
                 <a:sym typeface="Open Sans"/>
               </a:rPr>
-              <a:t>3. Center/Faculty of..., University of..., Country</a:t>
+              <a:t> 9, 15780 Athens</a:t>
             </a:r>
-            <a:endParaRPr sz="1200" dirty="0">
-              <a:solidFill>
-                <a:schemeClr val="dk1"/>
-              </a:solidFill>
+          </a:p>
+          <a:p>
+            <a:pPr marL="0" lvl="0" indent="0" algn="l" rtl="0">
+              <a:spcBef>
+                <a:spcPts val="0"/>
+              </a:spcBef>
+              <a:spcAft>
+                <a:spcPts val="0"/>
+              </a:spcAft>
+              <a:buNone/>
+            </a:pPr>
+            <a:endParaRPr lang="en-US" sz="1200" dirty="0">
               <a:latin typeface="Open Sans"/>
               <a:ea typeface="Open Sans"/>
               <a:cs typeface="Open Sans"/>
@@ -6181,7 +7184,7 @@
                   <a:srgbClr val="0C0C0C"/>
                 </a:solidFill>
               </a:rPr>
-              <a:t>Paper id</a:t>
+              <a:t>00077</a:t>
             </a:r>
           </a:p>
         </p:txBody>
@@ -6292,31 +7295,13 @@
               <a:buNone/>
             </a:pPr>
             <a:r>
-              <a:rPr lang="el" sz="2800" dirty="0">
-                <a:latin typeface="Open Sans SemiBold"/>
-                <a:ea typeface="Open Sans SemiBold"/>
-                <a:cs typeface="Open Sans SemiBold"/>
-                <a:sym typeface="Open Sans SemiBold"/>
-              </a:rPr>
-              <a:t>Title of my presentation - “Open Sans Semibold </a:t>
-            </a:r>
-            <a:r>
               <a:rPr lang="en-US" sz="2800" dirty="0">
                 <a:latin typeface="Open Sans SemiBold"/>
                 <a:ea typeface="Open Sans SemiBold"/>
                 <a:cs typeface="Open Sans SemiBold"/>
                 <a:sym typeface="Open Sans SemiBold"/>
               </a:rPr>
-              <a:t>28</a:t>
-            </a:r>
-            <a:r>
-              <a:rPr lang="el" sz="2800" dirty="0">
-                <a:latin typeface="Open Sans SemiBold"/>
-                <a:ea typeface="Open Sans SemiBold"/>
-                <a:cs typeface="Open Sans SemiBold"/>
-                <a:sym typeface="Open Sans SemiBold"/>
-              </a:rPr>
-              <a:t>”</a:t>
+              <a:t>EU Emission Trading System (ETS)</a:t>
             </a:r>
             <a:endParaRPr sz="2800" dirty="0">
               <a:latin typeface="Open Sans SemiBold"/>
@@ -6336,7 +7321,7 @@
         <p:spPr>
           <a:xfrm>
             <a:off x="178200" y="1752588"/>
-            <a:ext cx="7377000" cy="369302"/>
+            <a:ext cx="7377000" cy="1477297"/>
           </a:xfrm>
           <a:prstGeom prst="rect">
             <a:avLst/>
@@ -6352,23 +7337,54 @@
           </a:bodyPr>
           <a:lstStyle/>
           <a:p>
-            <a:pPr marL="0" lvl="0" indent="0" algn="l" rtl="0">
-              <a:spcBef>
-                <a:spcPts val="0"/>
-              </a:spcBef>
-              <a:spcAft>
-                <a:spcPts val="0"/>
-              </a:spcAft>
-              <a:buNone/>
+            <a:pPr marL="171450" lvl="0" indent="-171450" algn="l" rtl="0">
+              <a:spcBef>
+                <a:spcPts val="0"/>
+              </a:spcBef>
+              <a:spcAft>
+                <a:spcPts val="0"/>
+              </a:spcAft>
+              <a:buFont typeface="Arial" panose="020B0604020202020204" pitchFamily="34" charset="0"/>
+              <a:buChar char="•"/>
             </a:pPr>
             <a:r>
-              <a:rPr lang="el" sz="1200" dirty="0">
+              <a:rPr lang="en-US" sz="1200" dirty="0">
                 <a:latin typeface="Open Sans"/>
                 <a:ea typeface="Open Sans"/>
                 <a:cs typeface="Open Sans"/>
                 <a:sym typeface="Open Sans"/>
               </a:rPr>
-              <a:t>Body Text - “Open Sans Regular 1</a:t>
+              <a:t>The Largest Emission Trading System</a:t>
+            </a:r>
+          </a:p>
+          <a:p>
+            <a:pPr marL="171450" lvl="0" indent="-171450" algn="l" rtl="0">
+              <a:spcBef>
+                <a:spcPts val="0"/>
+              </a:spcBef>
+              <a:spcAft>
+                <a:spcPts val="0"/>
+              </a:spcAft>
+              <a:buFont typeface="Arial" panose="020B0604020202020204" pitchFamily="34" charset="0"/>
+              <a:buChar char="•"/>
+            </a:pPr>
+            <a:r>
+              <a:rPr lang="en-US" sz="1200" dirty="0">
+                <a:latin typeface="Open Sans"/>
+                <a:ea typeface="Open Sans"/>
+                <a:cs typeface="Open Sans"/>
+                <a:sym typeface="Open Sans"/>
+              </a:rPr>
+              <a:t>CO</a:t>
+            </a:r>
+            <a:r>
+              <a:rPr lang="en-US" sz="1200" baseline="-25000" dirty="0">
+                <a:latin typeface="Open Sans"/>
+                <a:ea typeface="Open Sans"/>
+                <a:cs typeface="Open Sans"/>
+                <a:sym typeface="Open Sans"/>
+              </a:rPr>
+              <a:t>2</a:t>
             </a:r>
             <a:r>
               <a:rPr lang="en-US" sz="1200" dirty="0">
@@ -6377,17 +7393,133 @@
                 <a:cs typeface="Open Sans"/>
                 <a:sym typeface="Open Sans"/>
               </a:rPr>
-              <a:t>2</a:t>
+              <a:t>, N</a:t>
             </a:r>
             <a:r>
-              <a:rPr lang="el" sz="1200" dirty="0">
+              <a:rPr lang="en-US" sz="1200" baseline="-25000" dirty="0">
                 <a:latin typeface="Open Sans"/>
                 <a:ea typeface="Open Sans"/>
                 <a:cs typeface="Open Sans"/>
                 <a:sym typeface="Open Sans"/>
               </a:rPr>
-              <a:t>”</a:t>
+              <a:t>2</a:t>
             </a:r>
+            <a:r>
+              <a:rPr lang="en-US" sz="1200" dirty="0">
+                <a:latin typeface="Open Sans"/>
+                <a:ea typeface="Open Sans"/>
+                <a:cs typeface="Open Sans"/>
+                <a:sym typeface="Open Sans"/>
+              </a:rPr>
+              <a:t>O and PFCs</a:t>
+            </a:r>
+          </a:p>
+          <a:p>
+            <a:pPr marL="171450" lvl="0" indent="-171450" algn="l" rtl="0">
+              <a:spcBef>
+                <a:spcPts val="0"/>
+              </a:spcBef>
+              <a:spcAft>
+                <a:spcPts val="0"/>
+              </a:spcAft>
+              <a:buFont typeface="Arial" panose="020B0604020202020204" pitchFamily="34" charset="0"/>
+              <a:buChar char="•"/>
+            </a:pPr>
+            <a:r>
+              <a:rPr lang="en-US" sz="1200" dirty="0">
+                <a:solidFill>
+                  <a:schemeClr val="dk1"/>
+                </a:solidFill>
+                <a:latin typeface="Open Sans"/>
+                <a:ea typeface="Open Sans"/>
+                <a:cs typeface="Open Sans"/>
+                <a:sym typeface="Open Sans"/>
+              </a:rPr>
+              <a:t>Cap on GHG emissions</a:t>
+            </a:r>
+          </a:p>
+          <a:p>
+            <a:pPr marL="171450" lvl="0" indent="-171450" algn="l" rtl="0">
+              <a:spcBef>
+                <a:spcPts val="0"/>
+              </a:spcBef>
+              <a:spcAft>
+                <a:spcPts val="0"/>
+              </a:spcAft>
+              <a:buFont typeface="Arial" panose="020B0604020202020204" pitchFamily="34" charset="0"/>
+              <a:buChar char="•"/>
+            </a:pPr>
+            <a:r>
+              <a:rPr lang="en-US" sz="1200" dirty="0">
+                <a:solidFill>
+                  <a:schemeClr val="dk1"/>
+                </a:solidFill>
+                <a:latin typeface="Open Sans"/>
+                <a:ea typeface="Open Sans"/>
+                <a:cs typeface="Open Sans"/>
+                <a:sym typeface="Open Sans"/>
+              </a:rPr>
+              <a:t>Linear reduction on emissions of 1.74 to 2.2% every year.</a:t>
+            </a:r>
+          </a:p>
+          <a:p>
+            <a:pPr marL="171450" lvl="0" indent="-171450" algn="l" rtl="0">
+              <a:spcBef>
+                <a:spcPts val="0"/>
+              </a:spcBef>
+              <a:spcAft>
+                <a:spcPts val="0"/>
+              </a:spcAft>
+              <a:buFont typeface="Arial" panose="020B0604020202020204" pitchFamily="34" charset="0"/>
+              <a:buChar char="•"/>
+            </a:pPr>
+            <a:r>
+              <a:rPr lang="en-US" sz="1200" dirty="0">
+                <a:solidFill>
+                  <a:schemeClr val="dk1"/>
+                </a:solidFill>
+                <a:latin typeface="Open Sans"/>
+                <a:ea typeface="Open Sans"/>
+                <a:cs typeface="Open Sans"/>
+                <a:sym typeface="Open Sans"/>
+              </a:rPr>
+              <a:t>Phases I, II, III, IV</a:t>
+            </a:r>
+          </a:p>
+          <a:p>
+            <a:pPr marL="171450" lvl="0" indent="-171450" algn="l" rtl="0">
+              <a:spcBef>
+                <a:spcPts val="0"/>
+              </a:spcBef>
+              <a:spcAft>
+                <a:spcPts val="0"/>
+              </a:spcAft>
+              <a:buFont typeface="Arial" panose="020B0604020202020204" pitchFamily="34" charset="0"/>
+              <a:buChar char="•"/>
+            </a:pPr>
+            <a:r>
+              <a:rPr lang="en-US" sz="1200" dirty="0">
+                <a:solidFill>
+                  <a:schemeClr val="dk1"/>
+                </a:solidFill>
+                <a:latin typeface="Open Sans"/>
+                <a:ea typeface="Open Sans"/>
+                <a:cs typeface="Open Sans"/>
+                <a:sym typeface="Open Sans"/>
+              </a:rPr>
+              <a:t>Possible problems?</a:t>
+            </a:r>
+          </a:p>
+          <a:p>
+            <a:pPr marL="0" lvl="0" indent="0" algn="l" rtl="0">
+              <a:spcBef>
+                <a:spcPts val="0"/>
+              </a:spcBef>
+              <a:spcAft>
+                <a:spcPts val="0"/>
+              </a:spcAft>
+              <a:buNone/>
+            </a:pPr>
             <a:endParaRPr sz="1200" dirty="0">
               <a:solidFill>
                 <a:schemeClr val="dk1"/>
@@ -6476,6 +7608,47 @@
           </a:prstGeom>
         </p:spPr>
       </p:pic>
+      <p:sp>
+        <p:nvSpPr>
+          <p:cNvPr id="2" name="TextBox 1">
+            <a:extLst>
+              <a:ext uri="{FF2B5EF4-FFF2-40B4-BE49-F238E27FC236}">
+                <a16:creationId xmlns:a16="http://schemas.microsoft.com/office/drawing/2014/main" id="{2FE66640-9E4A-968A-3F9C-ECB7BF6BD9A9}"/>
+              </a:ext>
+            </a:extLst>
+          </p:cNvPr>
+          <p:cNvSpPr txBox="1"/>
+          <p:nvPr/>
+        </p:nvSpPr>
+        <p:spPr>
+          <a:xfrm>
+            <a:off x="4762500" y="2377440"/>
+            <a:ext cx="3207929" cy="523220"/>
+          </a:xfrm>
+          <a:prstGeom prst="rect">
+            <a:avLst/>
+          </a:prstGeom>
+          <a:noFill/>
+        </p:spPr>
+        <p:txBody>
+          <a:bodyPr wrap="none" rtlCol="0">
+            <a:spAutoFit/>
+          </a:bodyPr>
+          <a:lstStyle/>
+          <a:p>
+            <a:r>
+              <a:rPr lang="el-GR" dirty="0"/>
+              <a:t>Και αυτό μάλλον πρέπει να αφαιρεθεί </a:t>
+            </a:r>
+          </a:p>
+          <a:p>
+            <a:r>
+              <a:rPr lang="el-GR" dirty="0"/>
+              <a:t>Και να μπει κάποιο σχέδιο πίσω.</a:t>
+            </a:r>
+          </a:p>
+        </p:txBody>
+      </p:sp>
     </p:spTree>
   </p:cSld>
   <p:clrMapOvr>
@@ -6485,6 +7658,2243 @@
 </file>
 
 <file path=ppt/slides/slide3.xml><?xml version="1.0" encoding="utf-8"?>
+<p:sld xmlns:a="http://schemas.openxmlformats.org/drawingml/2006/main" xmlns:r="http://schemas.openxmlformats.org/officeDocument/2006/relationships" xmlns:p="http://schemas.openxmlformats.org/presentationml/2006/main">
+  <p:cSld>
+    <p:spTree>
+      <p:nvGrpSpPr>
+        <p:cNvPr id="1" name="Shape 61"/>
+        <p:cNvGrpSpPr/>
+        <p:nvPr/>
+      </p:nvGrpSpPr>
+      <p:grpSpPr>
+        <a:xfrm>
+          <a:off x="0" y="0"/>
+          <a:ext cx="0" cy="0"/>
+          <a:chOff x="0" y="0"/>
+          <a:chExt cx="0" cy="0"/>
+        </a:xfrm>
+      </p:grpSpPr>
+      <p:sp>
+        <p:nvSpPr>
+          <p:cNvPr id="63" name="Google Shape;63;p14"/>
+          <p:cNvSpPr txBox="1"/>
+          <p:nvPr/>
+        </p:nvSpPr>
+        <p:spPr>
+          <a:xfrm>
+            <a:off x="178200" y="1172926"/>
+            <a:ext cx="8965800" cy="615523"/>
+          </a:xfrm>
+          <a:prstGeom prst="rect">
+            <a:avLst/>
+          </a:prstGeom>
+          <a:noFill/>
+          <a:ln>
+            <a:noFill/>
+          </a:ln>
+        </p:spPr>
+        <p:txBody>
+          <a:bodyPr spcFirstLastPara="1" wrap="square" lIns="91425" tIns="91425" rIns="91425" bIns="91425" anchor="t" anchorCtr="0">
+            <a:spAutoFit/>
+          </a:bodyPr>
+          <a:lstStyle/>
+          <a:p>
+            <a:pPr marL="0" lvl="0" indent="0" algn="l" rtl="0">
+              <a:spcBef>
+                <a:spcPts val="0"/>
+              </a:spcBef>
+              <a:spcAft>
+                <a:spcPts val="0"/>
+              </a:spcAft>
+              <a:buNone/>
+            </a:pPr>
+            <a:r>
+              <a:rPr lang="en-US" sz="2800" dirty="0">
+                <a:latin typeface="Open Sans SemiBold"/>
+                <a:ea typeface="Open Sans SemiBold"/>
+                <a:cs typeface="Open Sans SemiBold"/>
+                <a:sym typeface="Open Sans SemiBold"/>
+              </a:rPr>
+              <a:t>Carbon Leakage </a:t>
+            </a:r>
+            <a:endParaRPr sz="2800" dirty="0">
+              <a:latin typeface="Open Sans SemiBold"/>
+              <a:ea typeface="Open Sans SemiBold"/>
+              <a:cs typeface="Open Sans SemiBold"/>
+              <a:sym typeface="Open Sans SemiBold"/>
+            </a:endParaRPr>
+          </a:p>
+        </p:txBody>
+      </p:sp>
+      <p:sp>
+        <p:nvSpPr>
+          <p:cNvPr id="5" name="Rectangle 4"/>
+          <p:cNvSpPr/>
+          <p:nvPr/>
+        </p:nvSpPr>
+        <p:spPr>
+          <a:xfrm>
+            <a:off x="0" y="5143500"/>
+            <a:ext cx="9144000" cy="45719"/>
+          </a:xfrm>
+          <a:prstGeom prst="rect">
+            <a:avLst/>
+          </a:prstGeom>
+          <a:solidFill>
+            <a:srgbClr val="B8D847"/>
+          </a:solidFill>
+          <a:ln>
+            <a:noFill/>
+          </a:ln>
+        </p:spPr>
+        <p:style>
+          <a:lnRef idx="2">
+            <a:schemeClr val="accent1">
+              <a:shade val="50000"/>
+            </a:schemeClr>
+          </a:lnRef>
+          <a:fillRef idx="1">
+            <a:schemeClr val="accent1"/>
+          </a:fillRef>
+          <a:effectRef idx="0">
+            <a:schemeClr val="accent1"/>
+          </a:effectRef>
+          <a:fontRef idx="minor">
+            <a:schemeClr val="lt1"/>
+          </a:fontRef>
+        </p:style>
+        <p:txBody>
+          <a:bodyPr rtlCol="0" anchor="ctr"/>
+          <a:lstStyle/>
+          <a:p>
+            <a:pPr algn="ctr"/>
+            <a:endParaRPr lang="en-US"/>
+          </a:p>
+        </p:txBody>
+      </p:sp>
+      <p:pic>
+        <p:nvPicPr>
+          <p:cNvPr id="6" name="Picture 5"/>
+          <p:cNvPicPr>
+            <a:picLocks noChangeAspect="1"/>
+          </p:cNvPicPr>
+          <p:nvPr/>
+        </p:nvPicPr>
+        <p:blipFill>
+          <a:blip r:embed="rId3" cstate="print">
+            <a:extLst>
+              <a:ext uri="{28A0092B-C50C-407E-A947-70E740481C1C}">
+                <a14:useLocalDpi xmlns:a14="http://schemas.microsoft.com/office/drawing/2010/main"/>
+              </a:ext>
+            </a:extLst>
+          </a:blip>
+          <a:stretch>
+            <a:fillRect/>
+          </a:stretch>
+        </p:blipFill>
+        <p:spPr>
+          <a:xfrm>
+            <a:off x="0" y="0"/>
+            <a:ext cx="9144000" cy="980237"/>
+          </a:xfrm>
+          <a:prstGeom prst="rect">
+            <a:avLst/>
+          </a:prstGeom>
+        </p:spPr>
+      </p:pic>
+      <p:sp>
+        <p:nvSpPr>
+          <p:cNvPr id="2" name="TextBox 1">
+            <a:extLst>
+              <a:ext uri="{FF2B5EF4-FFF2-40B4-BE49-F238E27FC236}">
+                <a16:creationId xmlns:a16="http://schemas.microsoft.com/office/drawing/2014/main" id="{07F08F24-0A71-D840-B252-8D46E1342290}"/>
+              </a:ext>
+            </a:extLst>
+          </p:cNvPr>
+          <p:cNvSpPr txBox="1"/>
+          <p:nvPr/>
+        </p:nvSpPr>
+        <p:spPr>
+          <a:xfrm>
+            <a:off x="3188677" y="2375877"/>
+            <a:ext cx="2895344" cy="307777"/>
+          </a:xfrm>
+          <a:prstGeom prst="rect">
+            <a:avLst/>
+          </a:prstGeom>
+          <a:noFill/>
+        </p:spPr>
+        <p:txBody>
+          <a:bodyPr wrap="none" rtlCol="0">
+            <a:spAutoFit/>
+          </a:bodyPr>
+          <a:lstStyle/>
+          <a:p>
+            <a:r>
+              <a:rPr lang="en-US" dirty="0"/>
+              <a:t>Minimal </a:t>
+            </a:r>
+            <a:r>
+              <a:rPr lang="el-GR" dirty="0"/>
+              <a:t>σχέδιο που το περιγράφει</a:t>
+            </a:r>
+          </a:p>
+        </p:txBody>
+      </p:sp>
+    </p:spTree>
+    <p:extLst>
+      <p:ext uri="{BB962C8B-B14F-4D97-AF65-F5344CB8AC3E}">
+        <p14:creationId xmlns:p14="http://schemas.microsoft.com/office/powerpoint/2010/main" val="993711920"/>
+      </p:ext>
+    </p:extLst>
+  </p:cSld>
+  <p:clrMapOvr>
+    <a:masterClrMapping/>
+  </p:clrMapOvr>
+</p:sld>
+</file>
+
+<file path=ppt/slides/slide4.xml><?xml version="1.0" encoding="utf-8"?>
+<p:sld xmlns:a="http://schemas.openxmlformats.org/drawingml/2006/main" xmlns:r="http://schemas.openxmlformats.org/officeDocument/2006/relationships" xmlns:p="http://schemas.openxmlformats.org/presentationml/2006/main">
+  <p:cSld>
+    <p:spTree>
+      <p:nvGrpSpPr>
+        <p:cNvPr id="1" name="Shape 61"/>
+        <p:cNvGrpSpPr/>
+        <p:nvPr/>
+      </p:nvGrpSpPr>
+      <p:grpSpPr>
+        <a:xfrm>
+          <a:off x="0" y="0"/>
+          <a:ext cx="0" cy="0"/>
+          <a:chOff x="0" y="0"/>
+          <a:chExt cx="0" cy="0"/>
+        </a:xfrm>
+      </p:grpSpPr>
+      <p:sp>
+        <p:nvSpPr>
+          <p:cNvPr id="63" name="Google Shape;63;p14"/>
+          <p:cNvSpPr txBox="1"/>
+          <p:nvPr/>
+        </p:nvSpPr>
+        <p:spPr>
+          <a:xfrm>
+            <a:off x="178200" y="1172926"/>
+            <a:ext cx="8965800" cy="615523"/>
+          </a:xfrm>
+          <a:prstGeom prst="rect">
+            <a:avLst/>
+          </a:prstGeom>
+          <a:noFill/>
+          <a:ln>
+            <a:noFill/>
+          </a:ln>
+        </p:spPr>
+        <p:txBody>
+          <a:bodyPr spcFirstLastPara="1" wrap="square" lIns="91425" tIns="91425" rIns="91425" bIns="91425" anchor="t" anchorCtr="0">
+            <a:spAutoFit/>
+          </a:bodyPr>
+          <a:lstStyle/>
+          <a:p>
+            <a:pPr marL="0" lvl="0" indent="0" algn="l" rtl="0">
+              <a:spcBef>
+                <a:spcPts val="0"/>
+              </a:spcBef>
+              <a:spcAft>
+                <a:spcPts val="0"/>
+              </a:spcAft>
+              <a:buNone/>
+            </a:pPr>
+            <a:r>
+              <a:rPr lang="en-US" sz="2800" dirty="0">
+                <a:latin typeface="Open Sans SemiBold"/>
+                <a:ea typeface="Open Sans SemiBold"/>
+                <a:cs typeface="Open Sans SemiBold"/>
+                <a:sym typeface="Open Sans SemiBold"/>
+              </a:rPr>
+              <a:t>Is it Fair?</a:t>
+            </a:r>
+            <a:endParaRPr sz="2800" dirty="0">
+              <a:latin typeface="Open Sans SemiBold"/>
+              <a:ea typeface="Open Sans SemiBold"/>
+              <a:cs typeface="Open Sans SemiBold"/>
+              <a:sym typeface="Open Sans SemiBold"/>
+            </a:endParaRPr>
+          </a:p>
+        </p:txBody>
+      </p:sp>
+      <p:sp>
+        <p:nvSpPr>
+          <p:cNvPr id="5" name="Rectangle 4"/>
+          <p:cNvSpPr/>
+          <p:nvPr/>
+        </p:nvSpPr>
+        <p:spPr>
+          <a:xfrm>
+            <a:off x="0" y="5143500"/>
+            <a:ext cx="9144000" cy="45719"/>
+          </a:xfrm>
+          <a:prstGeom prst="rect">
+            <a:avLst/>
+          </a:prstGeom>
+          <a:solidFill>
+            <a:srgbClr val="B8D847"/>
+          </a:solidFill>
+          <a:ln>
+            <a:noFill/>
+          </a:ln>
+        </p:spPr>
+        <p:style>
+          <a:lnRef idx="2">
+            <a:schemeClr val="accent1">
+              <a:shade val="50000"/>
+            </a:schemeClr>
+          </a:lnRef>
+          <a:fillRef idx="1">
+            <a:schemeClr val="accent1"/>
+          </a:fillRef>
+          <a:effectRef idx="0">
+            <a:schemeClr val="accent1"/>
+          </a:effectRef>
+          <a:fontRef idx="minor">
+            <a:schemeClr val="lt1"/>
+          </a:fontRef>
+        </p:style>
+        <p:txBody>
+          <a:bodyPr rtlCol="0" anchor="ctr"/>
+          <a:lstStyle/>
+          <a:p>
+            <a:pPr algn="ctr"/>
+            <a:endParaRPr lang="en-US"/>
+          </a:p>
+        </p:txBody>
+      </p:sp>
+      <p:pic>
+        <p:nvPicPr>
+          <p:cNvPr id="6" name="Picture 5"/>
+          <p:cNvPicPr>
+            <a:picLocks noChangeAspect="1"/>
+          </p:cNvPicPr>
+          <p:nvPr/>
+        </p:nvPicPr>
+        <p:blipFill>
+          <a:blip r:embed="rId3" cstate="print">
+            <a:extLst>
+              <a:ext uri="{28A0092B-C50C-407E-A947-70E740481C1C}">
+                <a14:useLocalDpi xmlns:a14="http://schemas.microsoft.com/office/drawing/2010/main"/>
+              </a:ext>
+            </a:extLst>
+          </a:blip>
+          <a:stretch>
+            <a:fillRect/>
+          </a:stretch>
+        </p:blipFill>
+        <p:spPr>
+          <a:xfrm>
+            <a:off x="0" y="0"/>
+            <a:ext cx="9144000" cy="980237"/>
+          </a:xfrm>
+          <a:prstGeom prst="rect">
+            <a:avLst/>
+          </a:prstGeom>
+        </p:spPr>
+      </p:pic>
+      <p:pic>
+        <p:nvPicPr>
+          <p:cNvPr id="3" name="Εικόνα 2">
+            <a:extLst>
+              <a:ext uri="{FF2B5EF4-FFF2-40B4-BE49-F238E27FC236}">
+                <a16:creationId xmlns:a16="http://schemas.microsoft.com/office/drawing/2014/main" id="{7429E3F3-065A-A2B8-4536-85FC922C03BD}"/>
+              </a:ext>
+            </a:extLst>
+          </p:cNvPr>
+          <p:cNvPicPr>
+            <a:picLocks noChangeAspect="1"/>
+          </p:cNvPicPr>
+          <p:nvPr/>
+        </p:nvPicPr>
+        <p:blipFill>
+          <a:blip r:embed="rId4"/>
+          <a:stretch>
+            <a:fillRect/>
+          </a:stretch>
+        </p:blipFill>
+        <p:spPr>
+          <a:xfrm>
+            <a:off x="2754679" y="1128286"/>
+            <a:ext cx="3634642" cy="3634642"/>
+          </a:xfrm>
+          <a:prstGeom prst="rect">
+            <a:avLst/>
+          </a:prstGeom>
+        </p:spPr>
+      </p:pic>
+      <p:sp>
+        <p:nvSpPr>
+          <p:cNvPr id="4" name="TextBox 3">
+            <a:extLst>
+              <a:ext uri="{FF2B5EF4-FFF2-40B4-BE49-F238E27FC236}">
+                <a16:creationId xmlns:a16="http://schemas.microsoft.com/office/drawing/2014/main" id="{6BECD3D6-C81F-94E5-644D-6FC41372ABEA}"/>
+              </a:ext>
+            </a:extLst>
+          </p:cNvPr>
+          <p:cNvSpPr txBox="1"/>
+          <p:nvPr/>
+        </p:nvSpPr>
+        <p:spPr>
+          <a:xfrm>
+            <a:off x="6822831" y="3048000"/>
+            <a:ext cx="1895071" cy="523220"/>
+          </a:xfrm>
+          <a:prstGeom prst="rect">
+            <a:avLst/>
+          </a:prstGeom>
+          <a:noFill/>
+        </p:spPr>
+        <p:txBody>
+          <a:bodyPr wrap="none" rtlCol="0">
+            <a:spAutoFit/>
+          </a:bodyPr>
+          <a:lstStyle/>
+          <a:p>
+            <a:r>
+              <a:rPr lang="el-GR" dirty="0"/>
+              <a:t>Εδώ προφανώς θέλει</a:t>
+            </a:r>
+          </a:p>
+          <a:p>
+            <a:r>
+              <a:rPr lang="el-GR" dirty="0"/>
+              <a:t>Καλύτερο σχέδιο.</a:t>
+            </a:r>
+            <a:endParaRPr lang="en-US" dirty="0"/>
+          </a:p>
+        </p:txBody>
+      </p:sp>
+    </p:spTree>
+    <p:extLst>
+      <p:ext uri="{BB962C8B-B14F-4D97-AF65-F5344CB8AC3E}">
+        <p14:creationId xmlns:p14="http://schemas.microsoft.com/office/powerpoint/2010/main" val="885814905"/>
+      </p:ext>
+    </p:extLst>
+  </p:cSld>
+  <p:clrMapOvr>
+    <a:masterClrMapping/>
+  </p:clrMapOvr>
+</p:sld>
+</file>
+
+<file path=ppt/slides/slide5.xml><?xml version="1.0" encoding="utf-8"?>
+<p:sld xmlns:a="http://schemas.openxmlformats.org/drawingml/2006/main" xmlns:r="http://schemas.openxmlformats.org/officeDocument/2006/relationships" xmlns:p="http://schemas.openxmlformats.org/presentationml/2006/main">
+  <p:cSld>
+    <p:spTree>
+      <p:nvGrpSpPr>
+        <p:cNvPr id="1" name="Shape 61"/>
+        <p:cNvGrpSpPr/>
+        <p:nvPr/>
+      </p:nvGrpSpPr>
+      <p:grpSpPr>
+        <a:xfrm>
+          <a:off x="0" y="0"/>
+          <a:ext cx="0" cy="0"/>
+          <a:chOff x="0" y="0"/>
+          <a:chExt cx="0" cy="0"/>
+        </a:xfrm>
+      </p:grpSpPr>
+      <p:sp>
+        <p:nvSpPr>
+          <p:cNvPr id="63" name="Google Shape;63;p14"/>
+          <p:cNvSpPr txBox="1"/>
+          <p:nvPr/>
+        </p:nvSpPr>
+        <p:spPr>
+          <a:xfrm>
+            <a:off x="178200" y="1172926"/>
+            <a:ext cx="8965800" cy="615523"/>
+          </a:xfrm>
+          <a:prstGeom prst="rect">
+            <a:avLst/>
+          </a:prstGeom>
+          <a:noFill/>
+          <a:ln>
+            <a:noFill/>
+          </a:ln>
+        </p:spPr>
+        <p:txBody>
+          <a:bodyPr spcFirstLastPara="1" wrap="square" lIns="91425" tIns="91425" rIns="91425" bIns="91425" anchor="t" anchorCtr="0">
+            <a:spAutoFit/>
+          </a:bodyPr>
+          <a:lstStyle/>
+          <a:p>
+            <a:pPr marL="0" lvl="0" indent="0" algn="l" rtl="0">
+              <a:spcBef>
+                <a:spcPts val="0"/>
+              </a:spcBef>
+              <a:spcAft>
+                <a:spcPts val="0"/>
+              </a:spcAft>
+              <a:buNone/>
+            </a:pPr>
+            <a:r>
+              <a:rPr lang="en-US" sz="2800" dirty="0">
+                <a:latin typeface="Open Sans SemiBold"/>
+                <a:ea typeface="Open Sans SemiBold"/>
+                <a:cs typeface="Open Sans SemiBold"/>
+                <a:sym typeface="Open Sans SemiBold"/>
+              </a:rPr>
+              <a:t>Intel through clustering</a:t>
+            </a:r>
+            <a:endParaRPr sz="2800" dirty="0">
+              <a:latin typeface="Open Sans SemiBold"/>
+              <a:ea typeface="Open Sans SemiBold"/>
+              <a:cs typeface="Open Sans SemiBold"/>
+              <a:sym typeface="Open Sans SemiBold"/>
+            </a:endParaRPr>
+          </a:p>
+        </p:txBody>
+      </p:sp>
+      <p:sp>
+        <p:nvSpPr>
+          <p:cNvPr id="5" name="Rectangle 4"/>
+          <p:cNvSpPr/>
+          <p:nvPr/>
+        </p:nvSpPr>
+        <p:spPr>
+          <a:xfrm>
+            <a:off x="0" y="5143500"/>
+            <a:ext cx="9144000" cy="45719"/>
+          </a:xfrm>
+          <a:prstGeom prst="rect">
+            <a:avLst/>
+          </a:prstGeom>
+          <a:solidFill>
+            <a:srgbClr val="B8D847"/>
+          </a:solidFill>
+          <a:ln>
+            <a:noFill/>
+          </a:ln>
+        </p:spPr>
+        <p:style>
+          <a:lnRef idx="2">
+            <a:schemeClr val="accent1">
+              <a:shade val="50000"/>
+            </a:schemeClr>
+          </a:lnRef>
+          <a:fillRef idx="1">
+            <a:schemeClr val="accent1"/>
+          </a:fillRef>
+          <a:effectRef idx="0">
+            <a:schemeClr val="accent1"/>
+          </a:effectRef>
+          <a:fontRef idx="minor">
+            <a:schemeClr val="lt1"/>
+          </a:fontRef>
+        </p:style>
+        <p:txBody>
+          <a:bodyPr rtlCol="0" anchor="ctr"/>
+          <a:lstStyle/>
+          <a:p>
+            <a:pPr algn="ctr"/>
+            <a:endParaRPr lang="en-US"/>
+          </a:p>
+        </p:txBody>
+      </p:sp>
+      <p:pic>
+        <p:nvPicPr>
+          <p:cNvPr id="6" name="Picture 5"/>
+          <p:cNvPicPr>
+            <a:picLocks noChangeAspect="1"/>
+          </p:cNvPicPr>
+          <p:nvPr/>
+        </p:nvPicPr>
+        <p:blipFill>
+          <a:blip r:embed="rId3" cstate="print">
+            <a:extLst>
+              <a:ext uri="{28A0092B-C50C-407E-A947-70E740481C1C}">
+                <a14:useLocalDpi xmlns:a14="http://schemas.microsoft.com/office/drawing/2010/main"/>
+              </a:ext>
+            </a:extLst>
+          </a:blip>
+          <a:stretch>
+            <a:fillRect/>
+          </a:stretch>
+        </p:blipFill>
+        <p:spPr>
+          <a:xfrm>
+            <a:off x="0" y="0"/>
+            <a:ext cx="9144000" cy="980237"/>
+          </a:xfrm>
+          <a:prstGeom prst="rect">
+            <a:avLst/>
+          </a:prstGeom>
+        </p:spPr>
+      </p:pic>
+      <p:pic>
+        <p:nvPicPr>
+          <p:cNvPr id="3" name="Εικόνα 2">
+            <a:extLst>
+              <a:ext uri="{FF2B5EF4-FFF2-40B4-BE49-F238E27FC236}">
+                <a16:creationId xmlns:a16="http://schemas.microsoft.com/office/drawing/2014/main" id="{3BFF85AE-A7A6-DA35-20D6-746AD9EF2C7B}"/>
+              </a:ext>
+            </a:extLst>
+          </p:cNvPr>
+          <p:cNvPicPr>
+            <a:picLocks noChangeAspect="1"/>
+          </p:cNvPicPr>
+          <p:nvPr/>
+        </p:nvPicPr>
+        <p:blipFill>
+          <a:blip r:embed="rId4"/>
+          <a:stretch>
+            <a:fillRect/>
+          </a:stretch>
+        </p:blipFill>
+        <p:spPr>
+          <a:xfrm>
+            <a:off x="511263" y="1981138"/>
+            <a:ext cx="2697366" cy="2381018"/>
+          </a:xfrm>
+          <a:prstGeom prst="rect">
+            <a:avLst/>
+          </a:prstGeom>
+        </p:spPr>
+      </p:pic>
+      <p:pic>
+        <p:nvPicPr>
+          <p:cNvPr id="23" name="Γραφικό 22">
+            <a:extLst>
+              <a:ext uri="{FF2B5EF4-FFF2-40B4-BE49-F238E27FC236}">
+                <a16:creationId xmlns:a16="http://schemas.microsoft.com/office/drawing/2014/main" id="{832C456E-3C3B-19E2-6F02-1DA764F79E88}"/>
+              </a:ext>
+            </a:extLst>
+          </p:cNvPr>
+          <p:cNvPicPr>
+            <a:picLocks noChangeAspect="1"/>
+          </p:cNvPicPr>
+          <p:nvPr/>
+        </p:nvPicPr>
+        <p:blipFill>
+          <a:blip r:embed="rId5">
+            <a:extLst>
+              <a:ext uri="{96DAC541-7B7A-43D3-8B79-37D633B846F1}">
+                <asvg:svgBlip xmlns:asvg="http://schemas.microsoft.com/office/drawing/2016/SVG/main" r:embed="rId6"/>
+              </a:ext>
+            </a:extLst>
+          </a:blip>
+          <a:stretch>
+            <a:fillRect/>
+          </a:stretch>
+        </p:blipFill>
+        <p:spPr>
+          <a:xfrm>
+            <a:off x="4176369" y="1788449"/>
+            <a:ext cx="4114800" cy="2724150"/>
+          </a:xfrm>
+          <a:prstGeom prst="rect">
+            <a:avLst/>
+          </a:prstGeom>
+        </p:spPr>
+      </p:pic>
+      <p:sp>
+        <p:nvSpPr>
+          <p:cNvPr id="24" name="TextBox 23">
+            <a:extLst>
+              <a:ext uri="{FF2B5EF4-FFF2-40B4-BE49-F238E27FC236}">
+                <a16:creationId xmlns:a16="http://schemas.microsoft.com/office/drawing/2014/main" id="{3163CE0D-1E6A-7AF8-86B9-57C2E097E013}"/>
+              </a:ext>
+            </a:extLst>
+          </p:cNvPr>
+          <p:cNvSpPr txBox="1"/>
+          <p:nvPr/>
+        </p:nvSpPr>
+        <p:spPr>
+          <a:xfrm>
+            <a:off x="5737860" y="1226820"/>
+            <a:ext cx="2637260" cy="738664"/>
+          </a:xfrm>
+          <a:prstGeom prst="rect">
+            <a:avLst/>
+          </a:prstGeom>
+          <a:noFill/>
+        </p:spPr>
+        <p:txBody>
+          <a:bodyPr wrap="none" rtlCol="0">
+            <a:spAutoFit/>
+          </a:bodyPr>
+          <a:lstStyle/>
+          <a:p>
+            <a:r>
+              <a:rPr lang="el-GR" dirty="0"/>
+              <a:t>Αντίστοιχα αυτά θα έπρεπε να </a:t>
+            </a:r>
+          </a:p>
+          <a:p>
+            <a:r>
+              <a:rPr lang="el-GR" dirty="0"/>
+              <a:t>Έρθουν στα χρώματα του </a:t>
+            </a:r>
+          </a:p>
+          <a:p>
+            <a:r>
+              <a:rPr lang="el-GR" dirty="0"/>
+              <a:t>συνεδρίου</a:t>
+            </a:r>
+            <a:endParaRPr lang="en-US" dirty="0"/>
+          </a:p>
+        </p:txBody>
+      </p:sp>
+    </p:spTree>
+    <p:extLst>
+      <p:ext uri="{BB962C8B-B14F-4D97-AF65-F5344CB8AC3E}">
+        <p14:creationId xmlns:p14="http://schemas.microsoft.com/office/powerpoint/2010/main" val="2562623050"/>
+      </p:ext>
+    </p:extLst>
+  </p:cSld>
+  <p:clrMapOvr>
+    <a:masterClrMapping/>
+  </p:clrMapOvr>
+</p:sld>
+</file>
+
+<file path=ppt/slides/slide6.xml><?xml version="1.0" encoding="utf-8"?>
+<p:sld xmlns:a="http://schemas.openxmlformats.org/drawingml/2006/main" xmlns:r="http://schemas.openxmlformats.org/officeDocument/2006/relationships" xmlns:p="http://schemas.openxmlformats.org/presentationml/2006/main">
+  <p:cSld>
+    <p:spTree>
+      <p:nvGrpSpPr>
+        <p:cNvPr id="1" name="Shape 61"/>
+        <p:cNvGrpSpPr/>
+        <p:nvPr/>
+      </p:nvGrpSpPr>
+      <p:grpSpPr>
+        <a:xfrm>
+          <a:off x="0" y="0"/>
+          <a:ext cx="0" cy="0"/>
+          <a:chOff x="0" y="0"/>
+          <a:chExt cx="0" cy="0"/>
+        </a:xfrm>
+      </p:grpSpPr>
+      <p:sp>
+        <p:nvSpPr>
+          <p:cNvPr id="63" name="Google Shape;63;p14"/>
+          <p:cNvSpPr txBox="1"/>
+          <p:nvPr/>
+        </p:nvSpPr>
+        <p:spPr>
+          <a:xfrm>
+            <a:off x="178200" y="1172926"/>
+            <a:ext cx="8965800" cy="615523"/>
+          </a:xfrm>
+          <a:prstGeom prst="rect">
+            <a:avLst/>
+          </a:prstGeom>
+          <a:noFill/>
+          <a:ln>
+            <a:noFill/>
+          </a:ln>
+        </p:spPr>
+        <p:txBody>
+          <a:bodyPr spcFirstLastPara="1" wrap="square" lIns="91425" tIns="91425" rIns="91425" bIns="91425" anchor="t" anchorCtr="0">
+            <a:spAutoFit/>
+          </a:bodyPr>
+          <a:lstStyle/>
+          <a:p>
+            <a:pPr marL="0" lvl="0" indent="0" algn="l" rtl="0">
+              <a:spcBef>
+                <a:spcPts val="0"/>
+              </a:spcBef>
+              <a:spcAft>
+                <a:spcPts val="0"/>
+              </a:spcAft>
+              <a:buNone/>
+            </a:pPr>
+            <a:r>
+              <a:rPr lang="en-US" sz="2800" dirty="0">
+                <a:latin typeface="Open Sans SemiBold"/>
+                <a:ea typeface="Open Sans SemiBold"/>
+                <a:cs typeface="Open Sans SemiBold"/>
+                <a:sym typeface="Open Sans SemiBold"/>
+              </a:rPr>
+              <a:t>General LP to produce allocations</a:t>
+            </a:r>
+            <a:endParaRPr sz="2800" dirty="0">
+              <a:latin typeface="Open Sans SemiBold"/>
+              <a:ea typeface="Open Sans SemiBold"/>
+              <a:cs typeface="Open Sans SemiBold"/>
+              <a:sym typeface="Open Sans SemiBold"/>
+            </a:endParaRPr>
+          </a:p>
+        </p:txBody>
+      </p:sp>
+      <mc:AlternateContent xmlns:mc="http://schemas.openxmlformats.org/markup-compatibility/2006">
+        <mc:Choice xmlns:a14="http://schemas.microsoft.com/office/drawing/2010/main" Requires="a14">
+          <p:sp>
+            <p:nvSpPr>
+              <p:cNvPr id="64" name="Google Shape;64;p14"/>
+              <p:cNvSpPr txBox="1"/>
+              <p:nvPr/>
+            </p:nvSpPr>
+            <p:spPr>
+              <a:xfrm>
+                <a:off x="2375100" y="1788449"/>
+                <a:ext cx="4393800" cy="3682132"/>
+              </a:xfrm>
+              <a:prstGeom prst="rect">
+                <a:avLst/>
+              </a:prstGeom>
+              <a:noFill/>
+              <a:ln>
+                <a:noFill/>
+              </a:ln>
+            </p:spPr>
+            <p:txBody>
+              <a:bodyPr spcFirstLastPara="1" wrap="square" lIns="91425" tIns="91425" rIns="91425" bIns="91425" anchor="t" anchorCtr="0">
+                <a:spAutoFit/>
+              </a:bodyPr>
+              <a:lstStyle/>
+              <a:p>
+                <a:pPr marL="0" lvl="0" indent="0" algn="l" rtl="0">
+                  <a:spcBef>
+                    <a:spcPts val="0"/>
+                  </a:spcBef>
+                  <a:spcAft>
+                    <a:spcPts val="0"/>
+                  </a:spcAft>
+                  <a:buNone/>
+                </a:pPr>
+                <a14:m>
+                  <m:oMathPara xmlns:m="http://schemas.openxmlformats.org/officeDocument/2006/math">
+                    <m:oMathParaPr>
+                      <m:jc m:val="centerGroup"/>
+                    </m:oMathParaPr>
+                    <m:oMath xmlns:m="http://schemas.openxmlformats.org/officeDocument/2006/math">
+                      <m:r>
+                        <a:rPr lang="en-US" sz="1200" b="0" i="1" smtClean="0">
+                          <a:latin typeface="Cambria Math" panose="02040503050406030204" pitchFamily="18" charset="0"/>
+                          <a:ea typeface="Open Sans"/>
+                          <a:cs typeface="Open Sans"/>
+                          <a:sym typeface="Open Sans"/>
+                        </a:rPr>
+                        <m:t>𝑚𝑎𝑥</m:t>
+                      </m:r>
+                      <m:nary>
+                        <m:naryPr>
+                          <m:chr m:val="∑"/>
+                          <m:ctrlPr>
+                            <a:rPr lang="pt-BR" sz="1200" i="1" smtClean="0">
+                              <a:latin typeface="Cambria Math" panose="02040503050406030204" pitchFamily="18" charset="0"/>
+                              <a:ea typeface="Open Sans"/>
+                              <a:cs typeface="Open Sans"/>
+                              <a:sym typeface="Open Sans"/>
+                            </a:rPr>
+                          </m:ctrlPr>
+                        </m:naryPr>
+                        <m:sub>
+                          <m:r>
+                            <m:rPr>
+                              <m:brk m:alnAt="23"/>
+                            </m:rPr>
+                            <a:rPr lang="en-US" sz="1200" b="0" i="1" smtClean="0">
+                              <a:latin typeface="Cambria Math" panose="02040503050406030204" pitchFamily="18" charset="0"/>
+                              <a:ea typeface="Open Sans"/>
+                              <a:cs typeface="Open Sans"/>
+                              <a:sym typeface="Open Sans"/>
+                            </a:rPr>
+                            <m:t>𝑖</m:t>
+                          </m:r>
+                        </m:sub>
+                        <m:sup/>
+                        <m:e>
+                          <m:nary>
+                            <m:naryPr>
+                              <m:chr m:val="∑"/>
+                              <m:ctrlPr>
+                                <a:rPr lang="pt-BR" sz="1200" i="1" smtClean="0">
+                                  <a:latin typeface="Cambria Math" panose="02040503050406030204" pitchFamily="18" charset="0"/>
+                                  <a:ea typeface="Open Sans"/>
+                                  <a:cs typeface="Open Sans"/>
+                                  <a:sym typeface="Open Sans"/>
+                                </a:rPr>
+                              </m:ctrlPr>
+                            </m:naryPr>
+                            <m:sub>
+                              <m:r>
+                                <m:rPr>
+                                  <m:brk m:alnAt="23"/>
+                                </m:rPr>
+                                <a:rPr lang="en-US" sz="1200" b="0" i="1" smtClean="0">
+                                  <a:latin typeface="Cambria Math" panose="02040503050406030204" pitchFamily="18" charset="0"/>
+                                  <a:ea typeface="Open Sans"/>
+                                  <a:cs typeface="Open Sans"/>
+                                  <a:sym typeface="Open Sans"/>
+                                </a:rPr>
+                                <m:t>𝑗</m:t>
+                              </m:r>
+                            </m:sub>
+                            <m:sup/>
+                            <m:e>
+                              <m:sSub>
+                                <m:sSubPr>
+                                  <m:ctrlPr>
+                                    <a:rPr lang="en-US" sz="1200" b="0" i="1" smtClean="0">
+                                      <a:latin typeface="Cambria Math" panose="02040503050406030204" pitchFamily="18" charset="0"/>
+                                      <a:ea typeface="Open Sans"/>
+                                      <a:cs typeface="Open Sans"/>
+                                      <a:sym typeface="Open Sans"/>
+                                    </a:rPr>
+                                  </m:ctrlPr>
+                                </m:sSubPr>
+                                <m:e>
+                                  <m:r>
+                                    <a:rPr lang="en-US" sz="1200" b="0" i="1" smtClean="0">
+                                      <a:latin typeface="Cambria Math" panose="02040503050406030204" pitchFamily="18" charset="0"/>
+                                      <a:ea typeface="Open Sans"/>
+                                      <a:cs typeface="Open Sans"/>
+                                      <a:sym typeface="Open Sans"/>
+                                    </a:rPr>
+                                    <m:t>𝑣</m:t>
+                                  </m:r>
+                                </m:e>
+                                <m:sub>
+                                  <m:r>
+                                    <a:rPr lang="en-US" sz="1200" b="0" i="1" smtClean="0">
+                                      <a:latin typeface="Cambria Math" panose="02040503050406030204" pitchFamily="18" charset="0"/>
+                                      <a:ea typeface="Open Sans"/>
+                                      <a:cs typeface="Open Sans"/>
+                                      <a:sym typeface="Open Sans"/>
+                                    </a:rPr>
+                                    <m:t>𝑖𝑗</m:t>
+                                  </m:r>
+                                </m:sub>
+                              </m:sSub>
+                              <m:f>
+                                <m:fPr>
+                                  <m:ctrlPr>
+                                    <a:rPr lang="en-US" sz="1200" b="0" i="1" smtClean="0">
+                                      <a:latin typeface="Cambria Math" panose="02040503050406030204" pitchFamily="18" charset="0"/>
+                                      <a:ea typeface="Open Sans"/>
+                                      <a:cs typeface="Open Sans"/>
+                                      <a:sym typeface="Open Sans"/>
+                                    </a:rPr>
+                                  </m:ctrlPr>
+                                </m:fPr>
+                                <m:num>
+                                  <m:sSub>
+                                    <m:sSubPr>
+                                      <m:ctrlPr>
+                                        <a:rPr lang="en-US" sz="1200" b="0" i="1" smtClean="0">
+                                          <a:latin typeface="Cambria Math" panose="02040503050406030204" pitchFamily="18" charset="0"/>
+                                          <a:ea typeface="Open Sans"/>
+                                          <a:cs typeface="Open Sans"/>
+                                          <a:sym typeface="Open Sans"/>
+                                        </a:rPr>
+                                      </m:ctrlPr>
+                                    </m:sSubPr>
+                                    <m:e>
+                                      <m:r>
+                                        <a:rPr lang="en-US" sz="1200" b="0" i="1" smtClean="0">
+                                          <a:latin typeface="Cambria Math" panose="02040503050406030204" pitchFamily="18" charset="0"/>
+                                          <a:ea typeface="Open Sans"/>
+                                          <a:cs typeface="Open Sans"/>
+                                          <a:sym typeface="Open Sans"/>
+                                        </a:rPr>
+                                        <m:t>𝐺𝐷𝑃</m:t>
+                                      </m:r>
+                                    </m:e>
+                                    <m:sub>
+                                      <m:r>
+                                        <a:rPr lang="en-US" sz="1200" b="0" i="1" smtClean="0">
+                                          <a:latin typeface="Cambria Math" panose="02040503050406030204" pitchFamily="18" charset="0"/>
+                                          <a:ea typeface="Open Sans"/>
+                                          <a:cs typeface="Open Sans"/>
+                                          <a:sym typeface="Open Sans"/>
+                                        </a:rPr>
+                                        <m:t>𝑖𝑗</m:t>
+                                      </m:r>
+                                    </m:sub>
+                                  </m:sSub>
+                                </m:num>
+                                <m:den>
+                                  <m:sSub>
+                                    <m:sSubPr>
+                                      <m:ctrlPr>
+                                        <a:rPr lang="en-US" sz="1200" b="0" i="1" smtClean="0">
+                                          <a:latin typeface="Cambria Math" panose="02040503050406030204" pitchFamily="18" charset="0"/>
+                                          <a:ea typeface="Open Sans"/>
+                                          <a:cs typeface="Open Sans"/>
+                                          <a:sym typeface="Open Sans"/>
+                                        </a:rPr>
+                                      </m:ctrlPr>
+                                    </m:sSubPr>
+                                    <m:e>
+                                      <m:r>
+                                        <a:rPr lang="en-US" sz="1200" b="0" i="1" smtClean="0">
+                                          <a:latin typeface="Cambria Math" panose="02040503050406030204" pitchFamily="18" charset="0"/>
+                                          <a:ea typeface="Open Sans"/>
+                                          <a:cs typeface="Open Sans"/>
+                                          <a:sym typeface="Open Sans"/>
+                                        </a:rPr>
+                                        <m:t>𝑒</m:t>
+                                      </m:r>
+                                    </m:e>
+                                    <m:sub>
+                                      <m:r>
+                                        <a:rPr lang="en-US" sz="1200" b="0" i="1" smtClean="0">
+                                          <a:latin typeface="Cambria Math" panose="02040503050406030204" pitchFamily="18" charset="0"/>
+                                          <a:ea typeface="Open Sans"/>
+                                          <a:cs typeface="Open Sans"/>
+                                          <a:sym typeface="Open Sans"/>
+                                        </a:rPr>
+                                        <m:t>𝑖𝑗</m:t>
+                                      </m:r>
+                                    </m:sub>
+                                  </m:sSub>
+                                </m:den>
+                              </m:f>
+                              <m:sSubSup>
+                                <m:sSubSupPr>
+                                  <m:ctrlPr>
+                                    <a:rPr lang="en-US" sz="1200" b="0" i="1" smtClean="0">
+                                      <a:latin typeface="Cambria Math" panose="02040503050406030204" pitchFamily="18" charset="0"/>
+                                      <a:ea typeface="Open Sans"/>
+                                      <a:cs typeface="Open Sans"/>
+                                      <a:sym typeface="Open Sans"/>
+                                    </a:rPr>
+                                  </m:ctrlPr>
+                                </m:sSubSupPr>
+                                <m:e>
+                                  <m:r>
+                                    <a:rPr lang="en-US" sz="1200" b="0" i="1" smtClean="0">
+                                      <a:latin typeface="Cambria Math" panose="02040503050406030204" pitchFamily="18" charset="0"/>
+                                      <a:ea typeface="Open Sans"/>
+                                      <a:cs typeface="Open Sans"/>
+                                      <a:sym typeface="Open Sans"/>
+                                    </a:rPr>
+                                    <m:t>𝐺𝐷𝑃</m:t>
+                                  </m:r>
+                                </m:e>
+                                <m:sub>
+                                  <m:r>
+                                    <a:rPr lang="en-US" sz="1200" b="0" i="1" smtClean="0">
+                                      <a:latin typeface="Cambria Math" panose="02040503050406030204" pitchFamily="18" charset="0"/>
+                                      <a:ea typeface="Open Sans"/>
+                                      <a:cs typeface="Open Sans"/>
+                                      <a:sym typeface="Open Sans"/>
+                                    </a:rPr>
+                                    <m:t>𝑖</m:t>
+                                  </m:r>
+                                </m:sub>
+                                <m:sup>
+                                  <m:r>
+                                    <a:rPr lang="en-US" sz="1200" b="0" i="1" smtClean="0">
+                                      <a:latin typeface="Cambria Math" panose="02040503050406030204" pitchFamily="18" charset="0"/>
+                                      <a:ea typeface="Open Sans"/>
+                                      <a:cs typeface="Open Sans"/>
+                                      <a:sym typeface="Open Sans"/>
+                                    </a:rPr>
+                                    <m:t>𝑝𝑝𝑠</m:t>
+                                  </m:r>
+                                </m:sup>
+                              </m:sSubSup>
+                            </m:e>
+                          </m:nary>
+                        </m:e>
+                      </m:nary>
+                    </m:oMath>
+                  </m:oMathPara>
+                </a14:m>
+                <a:endParaRPr lang="en-US" sz="1200" dirty="0">
+                  <a:latin typeface="Open Sans"/>
+                  <a:ea typeface="Open Sans"/>
+                  <a:cs typeface="Open Sans"/>
+                  <a:sym typeface="Open Sans"/>
+                </a:endParaRPr>
+              </a:p>
+              <a:p>
+                <a:pPr marL="0" lvl="0" indent="0" algn="l" rtl="0">
+                  <a:spcBef>
+                    <a:spcPts val="0"/>
+                  </a:spcBef>
+                  <a:spcAft>
+                    <a:spcPts val="0"/>
+                  </a:spcAft>
+                  <a:buNone/>
+                </a:pPr>
+                <a:r>
+                  <a:rPr lang="en-US" sz="1200" dirty="0">
+                    <a:solidFill>
+                      <a:schemeClr val="dk1"/>
+                    </a:solidFill>
+                    <a:latin typeface="Open Sans"/>
+                    <a:ea typeface="Open Sans"/>
+                    <a:cs typeface="Open Sans"/>
+                    <a:sym typeface="Open Sans"/>
+                  </a:rPr>
+                  <a:t>Core </a:t>
+                </a:r>
+                <a:r>
+                  <a:rPr lang="en-US" sz="1200" dirty="0" err="1">
+                    <a:solidFill>
+                      <a:schemeClr val="dk1"/>
+                    </a:solidFill>
+                    <a:latin typeface="Open Sans"/>
+                    <a:ea typeface="Open Sans"/>
+                    <a:cs typeface="Open Sans"/>
+                    <a:sym typeface="Open Sans"/>
+                  </a:rPr>
+                  <a:t>Contrains</a:t>
+                </a:r>
+                <a:r>
+                  <a:rPr lang="en-US" sz="1200" dirty="0">
+                    <a:solidFill>
+                      <a:schemeClr val="dk1"/>
+                    </a:solidFill>
+                    <a:latin typeface="Open Sans"/>
+                    <a:ea typeface="Open Sans"/>
+                    <a:cs typeface="Open Sans"/>
+                    <a:sym typeface="Open Sans"/>
+                  </a:rPr>
+                  <a:t>:</a:t>
+                </a:r>
+              </a:p>
+              <a:p>
+                <a:pPr marL="0" lvl="0" indent="0" algn="l" rtl="0">
+                  <a:spcBef>
+                    <a:spcPts val="0"/>
+                  </a:spcBef>
+                  <a:spcAft>
+                    <a:spcPts val="0"/>
+                  </a:spcAft>
+                  <a:buNone/>
+                </a:pPr>
+                <a14:m>
+                  <m:oMathPara xmlns:m="http://schemas.openxmlformats.org/officeDocument/2006/math">
+                    <m:oMathParaPr>
+                      <m:jc m:val="centerGroup"/>
+                    </m:oMathParaPr>
+                    <m:oMath xmlns:m="http://schemas.openxmlformats.org/officeDocument/2006/math">
+                      <m:nary>
+                        <m:naryPr>
+                          <m:chr m:val="∑"/>
+                          <m:ctrlPr>
+                            <a:rPr lang="pt-BR" sz="1200" i="1" smtClean="0">
+                              <a:latin typeface="Cambria Math" panose="02040503050406030204" pitchFamily="18" charset="0"/>
+                              <a:ea typeface="Open Sans"/>
+                              <a:cs typeface="Open Sans"/>
+                              <a:sym typeface="Open Sans"/>
+                            </a:rPr>
+                          </m:ctrlPr>
+                        </m:naryPr>
+                        <m:sub>
+                          <m:r>
+                            <m:rPr>
+                              <m:brk m:alnAt="23"/>
+                            </m:rPr>
+                            <a:rPr lang="en-US" sz="1200" b="0" i="1" smtClean="0">
+                              <a:latin typeface="Cambria Math" panose="02040503050406030204" pitchFamily="18" charset="0"/>
+                              <a:ea typeface="Open Sans"/>
+                              <a:cs typeface="Open Sans"/>
+                              <a:sym typeface="Open Sans"/>
+                            </a:rPr>
+                            <m:t>𝑖</m:t>
+                          </m:r>
+                        </m:sub>
+                        <m:sup/>
+                        <m:e>
+                          <m:nary>
+                            <m:naryPr>
+                              <m:chr m:val="∑"/>
+                              <m:ctrlPr>
+                                <a:rPr lang="pt-BR" sz="1200" i="1" smtClean="0">
+                                  <a:latin typeface="Cambria Math" panose="02040503050406030204" pitchFamily="18" charset="0"/>
+                                  <a:ea typeface="Open Sans"/>
+                                  <a:cs typeface="Open Sans"/>
+                                  <a:sym typeface="Open Sans"/>
+                                </a:rPr>
+                              </m:ctrlPr>
+                            </m:naryPr>
+                            <m:sub>
+                              <m:r>
+                                <m:rPr>
+                                  <m:brk m:alnAt="23"/>
+                                </m:rPr>
+                                <a:rPr lang="en-US" sz="1200" b="0" i="1" smtClean="0">
+                                  <a:latin typeface="Cambria Math" panose="02040503050406030204" pitchFamily="18" charset="0"/>
+                                  <a:ea typeface="Open Sans"/>
+                                  <a:cs typeface="Open Sans"/>
+                                  <a:sym typeface="Open Sans"/>
+                                </a:rPr>
+                                <m:t>𝑗</m:t>
+                              </m:r>
+                            </m:sub>
+                            <m:sup/>
+                            <m:e>
+                              <m:sSub>
+                                <m:sSubPr>
+                                  <m:ctrlPr>
+                                    <a:rPr lang="en-US" sz="1200" b="0" i="1" smtClean="0">
+                                      <a:latin typeface="Cambria Math" panose="02040503050406030204" pitchFamily="18" charset="0"/>
+                                      <a:ea typeface="Open Sans"/>
+                                      <a:cs typeface="Open Sans"/>
+                                      <a:sym typeface="Open Sans"/>
+                                    </a:rPr>
+                                  </m:ctrlPr>
+                                </m:sSubPr>
+                                <m:e>
+                                  <m:r>
+                                    <a:rPr lang="en-US" sz="1200" b="0" i="1" smtClean="0">
+                                      <a:latin typeface="Cambria Math" panose="02040503050406030204" pitchFamily="18" charset="0"/>
+                                      <a:ea typeface="Open Sans"/>
+                                      <a:cs typeface="Open Sans"/>
+                                      <a:sym typeface="Open Sans"/>
+                                    </a:rPr>
+                                    <m:t>𝑣</m:t>
+                                  </m:r>
+                                </m:e>
+                                <m:sub>
+                                  <m:r>
+                                    <a:rPr lang="en-US" sz="1200" b="0" i="1" smtClean="0">
+                                      <a:latin typeface="Cambria Math" panose="02040503050406030204" pitchFamily="18" charset="0"/>
+                                      <a:ea typeface="Open Sans"/>
+                                      <a:cs typeface="Open Sans"/>
+                                      <a:sym typeface="Open Sans"/>
+                                    </a:rPr>
+                                    <m:t>𝑖𝑗</m:t>
+                                  </m:r>
+                                </m:sub>
+                              </m:sSub>
+                              <m:r>
+                                <a:rPr lang="en-US" sz="1200" b="0" i="1" smtClean="0">
+                                  <a:latin typeface="Cambria Math" panose="02040503050406030204" pitchFamily="18" charset="0"/>
+                                  <a:ea typeface="Open Sans"/>
+                                  <a:cs typeface="Open Sans"/>
+                                  <a:sym typeface="Open Sans"/>
+                                </a:rPr>
+                                <m:t>&lt;1</m:t>
+                              </m:r>
+                            </m:e>
+                          </m:nary>
+                        </m:e>
+                      </m:nary>
+                    </m:oMath>
+                  </m:oMathPara>
+                </a14:m>
+                <a:endParaRPr lang="el-GR" sz="1200" dirty="0">
+                  <a:solidFill>
+                    <a:schemeClr val="dk1"/>
+                  </a:solidFill>
+                  <a:latin typeface="Open Sans"/>
+                  <a:ea typeface="Open Sans"/>
+                  <a:cs typeface="Open Sans"/>
+                  <a:sym typeface="Open Sans"/>
+                </a:endParaRPr>
+              </a:p>
+              <a:p>
+                <a:pPr lvl="0"/>
+                <a14:m>
+                  <m:oMathPara xmlns:m="http://schemas.openxmlformats.org/officeDocument/2006/math">
+                    <m:oMathParaPr>
+                      <m:jc m:val="centerGroup"/>
+                    </m:oMathParaPr>
+                    <m:oMath xmlns:m="http://schemas.openxmlformats.org/officeDocument/2006/math">
+                      <m:nary>
+                        <m:naryPr>
+                          <m:chr m:val="∑"/>
+                          <m:ctrlPr>
+                            <a:rPr lang="pt-BR" sz="1200" i="1" smtClean="0">
+                              <a:latin typeface="Cambria Math" panose="02040503050406030204" pitchFamily="18" charset="0"/>
+                              <a:ea typeface="Open Sans"/>
+                              <a:cs typeface="Open Sans"/>
+                              <a:sym typeface="Open Sans"/>
+                            </a:rPr>
+                          </m:ctrlPr>
+                        </m:naryPr>
+                        <m:sub>
+                          <m:r>
+                            <m:rPr>
+                              <m:brk m:alnAt="23"/>
+                            </m:rPr>
+                            <a:rPr lang="en-US" sz="1200" b="0" i="1" smtClean="0">
+                              <a:latin typeface="Cambria Math" panose="02040503050406030204" pitchFamily="18" charset="0"/>
+                              <a:ea typeface="Open Sans"/>
+                              <a:cs typeface="Open Sans"/>
+                              <a:sym typeface="Open Sans"/>
+                            </a:rPr>
+                            <m:t>𝑗</m:t>
+                          </m:r>
+                        </m:sub>
+                        <m:sup/>
+                        <m:e>
+                          <m:sSub>
+                            <m:sSubPr>
+                              <m:ctrlPr>
+                                <a:rPr lang="en-US" sz="1200" b="0" i="1" smtClean="0">
+                                  <a:latin typeface="Cambria Math" panose="02040503050406030204" pitchFamily="18" charset="0"/>
+                                  <a:ea typeface="Open Sans"/>
+                                  <a:cs typeface="Open Sans"/>
+                                  <a:sym typeface="Open Sans"/>
+                                </a:rPr>
+                              </m:ctrlPr>
+                            </m:sSubPr>
+                            <m:e>
+                              <m:r>
+                                <a:rPr lang="en-US" sz="1200" b="0" i="1" smtClean="0">
+                                  <a:latin typeface="Cambria Math" panose="02040503050406030204" pitchFamily="18" charset="0"/>
+                                  <a:ea typeface="Open Sans"/>
+                                  <a:cs typeface="Open Sans"/>
+                                  <a:sym typeface="Open Sans"/>
+                                </a:rPr>
+                                <m:t>𝑣</m:t>
+                              </m:r>
+                            </m:e>
+                            <m:sub>
+                              <m:r>
+                                <a:rPr lang="en-US" sz="1200" b="0" i="1" smtClean="0">
+                                  <a:latin typeface="Cambria Math" panose="02040503050406030204" pitchFamily="18" charset="0"/>
+                                  <a:ea typeface="Open Sans"/>
+                                  <a:cs typeface="Open Sans"/>
+                                  <a:sym typeface="Open Sans"/>
+                                </a:rPr>
+                                <m:t>𝑖𝑗</m:t>
+                              </m:r>
+                            </m:sub>
+                          </m:sSub>
+                          <m:r>
+                            <a:rPr lang="el-GR" sz="1200" b="0" i="1" smtClean="0">
+                              <a:latin typeface="Cambria Math" panose="02040503050406030204" pitchFamily="18" charset="0"/>
+                              <a:ea typeface="Open Sans"/>
+                              <a:cs typeface="Open Sans"/>
+                              <a:sym typeface="Open Sans"/>
+                            </a:rPr>
+                            <m:t>=</m:t>
+                          </m:r>
+                          <m:sSub>
+                            <m:sSubPr>
+                              <m:ctrlPr>
+                                <a:rPr lang="en-US" sz="1200" b="0" i="1" smtClean="0">
+                                  <a:latin typeface="Cambria Math" panose="02040503050406030204" pitchFamily="18" charset="0"/>
+                                  <a:ea typeface="Open Sans"/>
+                                  <a:cs typeface="Open Sans"/>
+                                  <a:sym typeface="Open Sans"/>
+                                </a:rPr>
+                              </m:ctrlPr>
+                            </m:sSubPr>
+                            <m:e>
+                              <m:r>
+                                <a:rPr lang="en-US" sz="1200" b="0" i="1" smtClean="0">
+                                  <a:latin typeface="Cambria Math" panose="02040503050406030204" pitchFamily="18" charset="0"/>
+                                  <a:ea typeface="Open Sans"/>
+                                  <a:cs typeface="Open Sans"/>
+                                  <a:sym typeface="Open Sans"/>
+                                </a:rPr>
+                                <m:t>𝑣</m:t>
+                              </m:r>
+                            </m:e>
+                            <m:sub>
+                              <m:r>
+                                <a:rPr lang="en-US" sz="1200" b="0" i="1" smtClean="0">
+                                  <a:latin typeface="Cambria Math" panose="02040503050406030204" pitchFamily="18" charset="0"/>
+                                  <a:ea typeface="Open Sans"/>
+                                  <a:cs typeface="Open Sans"/>
+                                  <a:sym typeface="Open Sans"/>
+                                </a:rPr>
+                                <m:t>𝑖</m:t>
+                              </m:r>
+                            </m:sub>
+                          </m:sSub>
+                          <m:r>
+                            <a:rPr lang="el-GR" sz="1200" b="0" i="1" smtClean="0">
+                              <a:latin typeface="Cambria Math" panose="02040503050406030204" pitchFamily="18" charset="0"/>
+                              <a:ea typeface="Open Sans"/>
+                              <a:cs typeface="Open Sans"/>
+                              <a:sym typeface="Open Sans"/>
+                            </a:rPr>
+                            <m:t> </m:t>
+                          </m:r>
+                        </m:e>
+                      </m:nary>
+                      <m:r>
+                        <a:rPr lang="en-US" sz="1200" b="0" i="1" smtClean="0">
+                          <a:latin typeface="Cambria Math" panose="02040503050406030204" pitchFamily="18" charset="0"/>
+                          <a:ea typeface="Open Sans"/>
+                          <a:cs typeface="Open Sans"/>
+                          <a:sym typeface="Open Sans"/>
+                        </a:rPr>
+                        <m:t> </m:t>
+                      </m:r>
+                      <m:r>
+                        <a:rPr lang="en-US" sz="1200" b="0" i="1" smtClean="0">
+                          <a:latin typeface="Cambria Math" panose="02040503050406030204" pitchFamily="18" charset="0"/>
+                          <a:ea typeface="Open Sans"/>
+                          <a:cs typeface="Open Sans"/>
+                          <a:sym typeface="Open Sans"/>
+                        </a:rPr>
+                        <m:t>𝑎𝑛𝑑</m:t>
+                      </m:r>
+                      <m:nary>
+                        <m:naryPr>
+                          <m:chr m:val="∑"/>
+                          <m:ctrlPr>
+                            <a:rPr lang="pt-BR" sz="1200" i="1">
+                              <a:latin typeface="Cambria Math" panose="02040503050406030204" pitchFamily="18" charset="0"/>
+                              <a:ea typeface="Open Sans"/>
+                              <a:cs typeface="Open Sans"/>
+                              <a:sym typeface="Open Sans"/>
+                            </a:rPr>
+                          </m:ctrlPr>
+                        </m:naryPr>
+                        <m:sub>
+                          <m:r>
+                            <m:rPr>
+                              <m:brk m:alnAt="23"/>
+                            </m:rPr>
+                            <a:rPr lang="en-US" sz="1200" b="0" i="1" smtClean="0">
+                              <a:latin typeface="Cambria Math" panose="02040503050406030204" pitchFamily="18" charset="0"/>
+                              <a:ea typeface="Open Sans"/>
+                              <a:cs typeface="Open Sans"/>
+                              <a:sym typeface="Open Sans"/>
+                            </a:rPr>
+                            <m:t>𝑖</m:t>
+                          </m:r>
+                        </m:sub>
+                        <m:sup/>
+                        <m:e>
+                          <m:sSub>
+                            <m:sSubPr>
+                              <m:ctrlPr>
+                                <a:rPr lang="en-US" sz="1200" i="1">
+                                  <a:latin typeface="Cambria Math" panose="02040503050406030204" pitchFamily="18" charset="0"/>
+                                  <a:ea typeface="Open Sans"/>
+                                  <a:cs typeface="Open Sans"/>
+                                  <a:sym typeface="Open Sans"/>
+                                </a:rPr>
+                              </m:ctrlPr>
+                            </m:sSubPr>
+                            <m:e>
+                              <m:r>
+                                <a:rPr lang="en-US" sz="1200" i="1">
+                                  <a:latin typeface="Cambria Math" panose="02040503050406030204" pitchFamily="18" charset="0"/>
+                                  <a:ea typeface="Open Sans"/>
+                                  <a:cs typeface="Open Sans"/>
+                                  <a:sym typeface="Open Sans"/>
+                                </a:rPr>
+                                <m:t>𝑣</m:t>
+                              </m:r>
+                            </m:e>
+                            <m:sub>
+                              <m:r>
+                                <a:rPr lang="en-US" sz="1200" i="1">
+                                  <a:latin typeface="Cambria Math" panose="02040503050406030204" pitchFamily="18" charset="0"/>
+                                  <a:ea typeface="Open Sans"/>
+                                  <a:cs typeface="Open Sans"/>
+                                  <a:sym typeface="Open Sans"/>
+                                </a:rPr>
+                                <m:t>𝑖𝑗</m:t>
+                              </m:r>
+                            </m:sub>
+                          </m:sSub>
+                          <m:r>
+                            <a:rPr lang="el-GR" sz="1200" i="1">
+                              <a:latin typeface="Cambria Math" panose="02040503050406030204" pitchFamily="18" charset="0"/>
+                              <a:ea typeface="Open Sans"/>
+                              <a:cs typeface="Open Sans"/>
+                              <a:sym typeface="Open Sans"/>
+                            </a:rPr>
+                            <m:t>=</m:t>
+                          </m:r>
+                          <m:sSub>
+                            <m:sSubPr>
+                              <m:ctrlPr>
+                                <a:rPr lang="en-US" sz="1200" i="1" smtClean="0">
+                                  <a:latin typeface="Cambria Math" panose="02040503050406030204" pitchFamily="18" charset="0"/>
+                                  <a:ea typeface="Open Sans"/>
+                                  <a:cs typeface="Open Sans"/>
+                                  <a:sym typeface="Open Sans"/>
+                                </a:rPr>
+                              </m:ctrlPr>
+                            </m:sSubPr>
+                            <m:e>
+                              <m:r>
+                                <a:rPr lang="en-US" sz="1200" i="1">
+                                  <a:latin typeface="Cambria Math" panose="02040503050406030204" pitchFamily="18" charset="0"/>
+                                  <a:ea typeface="Open Sans"/>
+                                  <a:cs typeface="Open Sans"/>
+                                  <a:sym typeface="Open Sans"/>
+                                </a:rPr>
+                                <m:t>𝑣</m:t>
+                              </m:r>
+                            </m:e>
+                            <m:sub>
+                              <m:r>
+                                <a:rPr lang="en-US" sz="1200" b="0" i="1" smtClean="0">
+                                  <a:latin typeface="Cambria Math" panose="02040503050406030204" pitchFamily="18" charset="0"/>
+                                  <a:ea typeface="Open Sans"/>
+                                  <a:cs typeface="Open Sans"/>
+                                  <a:sym typeface="Open Sans"/>
+                                </a:rPr>
+                                <m:t>𝑗</m:t>
+                              </m:r>
+                            </m:sub>
+                          </m:sSub>
+                          <m:r>
+                            <a:rPr lang="el-GR" sz="1200" i="1">
+                              <a:latin typeface="Cambria Math" panose="02040503050406030204" pitchFamily="18" charset="0"/>
+                              <a:ea typeface="Open Sans"/>
+                              <a:cs typeface="Open Sans"/>
+                              <a:sym typeface="Open Sans"/>
+                            </a:rPr>
+                            <m:t> </m:t>
+                          </m:r>
+                        </m:e>
+                      </m:nary>
+                    </m:oMath>
+                  </m:oMathPara>
+                </a14:m>
+                <a:endParaRPr lang="en-US" sz="1200" dirty="0">
+                  <a:solidFill>
+                    <a:schemeClr val="dk1"/>
+                  </a:solidFill>
+                  <a:latin typeface="Open Sans"/>
+                  <a:ea typeface="Open Sans"/>
+                  <a:cs typeface="Open Sans"/>
+                  <a:sym typeface="Open Sans"/>
+                </a:endParaRPr>
+              </a:p>
+              <a:p>
+                <a:pPr lvl="0"/>
+                <a:r>
+                  <a:rPr lang="en-US" sz="1200" dirty="0">
+                    <a:solidFill>
+                      <a:schemeClr val="dk1"/>
+                    </a:solidFill>
+                    <a:latin typeface="Open Sans"/>
+                    <a:ea typeface="Open Sans"/>
+                    <a:cs typeface="Open Sans"/>
+                    <a:sym typeface="Open Sans"/>
+                  </a:rPr>
+                  <a:t>Example of extras:</a:t>
+                </a:r>
+              </a:p>
+              <a:p>
+                <a:pPr lvl="0"/>
+                <a14:m>
+                  <m:oMathPara xmlns:m="http://schemas.openxmlformats.org/officeDocument/2006/math">
+                    <m:oMathParaPr>
+                      <m:jc m:val="centerGroup"/>
+                    </m:oMathParaPr>
+                    <m:oMath xmlns:m="http://schemas.openxmlformats.org/officeDocument/2006/math">
+                      <m:sSub>
+                        <m:sSubPr>
+                          <m:ctrlPr>
+                            <a:rPr lang="pt-BR" sz="1200" i="1" smtClean="0">
+                              <a:latin typeface="Cambria Math" panose="02040503050406030204" pitchFamily="18" charset="0"/>
+                              <a:ea typeface="Cambria Math" panose="02040503050406030204" pitchFamily="18" charset="0"/>
+                              <a:cs typeface="Open Sans"/>
+                              <a:sym typeface="Open Sans"/>
+                            </a:rPr>
+                          </m:ctrlPr>
+                        </m:sSubPr>
+                        <m:e>
+                          <m:r>
+                            <a:rPr lang="en-US" sz="1200" b="0" i="1" smtClean="0">
+                              <a:latin typeface="Cambria Math" panose="02040503050406030204" pitchFamily="18" charset="0"/>
+                              <a:ea typeface="Cambria Math" panose="02040503050406030204" pitchFamily="18" charset="0"/>
+                              <a:cs typeface="Open Sans"/>
+                              <a:sym typeface="Open Sans"/>
+                            </a:rPr>
+                            <m:t>𝑎</m:t>
+                          </m:r>
+                        </m:e>
+                        <m:sub>
+                          <m:r>
+                            <a:rPr lang="en-US" sz="1200" b="0" i="1" smtClean="0">
+                              <a:latin typeface="Cambria Math" panose="02040503050406030204" pitchFamily="18" charset="0"/>
+                              <a:ea typeface="Cambria Math" panose="02040503050406030204" pitchFamily="18" charset="0"/>
+                              <a:cs typeface="Open Sans"/>
+                              <a:sym typeface="Open Sans"/>
+                            </a:rPr>
+                            <m:t>1</m:t>
+                          </m:r>
+                        </m:sub>
+                      </m:sSub>
+                      <m:sSubSup>
+                        <m:sSubSupPr>
+                          <m:ctrlPr>
+                            <a:rPr lang="pt-BR" sz="1200" i="1" smtClean="0">
+                              <a:latin typeface="Cambria Math" panose="02040503050406030204" pitchFamily="18" charset="0"/>
+                              <a:ea typeface="Cambria Math" panose="02040503050406030204" pitchFamily="18" charset="0"/>
+                              <a:cs typeface="Open Sans"/>
+                              <a:sym typeface="Open Sans"/>
+                            </a:rPr>
+                          </m:ctrlPr>
+                        </m:sSubSupPr>
+                        <m:e>
+                          <m:r>
+                            <a:rPr lang="en-US" sz="1200" b="0" i="1" smtClean="0">
+                              <a:latin typeface="Cambria Math" panose="02040503050406030204" pitchFamily="18" charset="0"/>
+                              <a:ea typeface="Cambria Math" panose="02040503050406030204" pitchFamily="18" charset="0"/>
+                              <a:cs typeface="Open Sans"/>
+                              <a:sym typeface="Open Sans"/>
+                            </a:rPr>
+                            <m:t>𝑣</m:t>
+                          </m:r>
+                        </m:e>
+                        <m:sub>
+                          <m:r>
+                            <a:rPr lang="en-US" sz="1200" b="0" i="1" smtClean="0">
+                              <a:latin typeface="Cambria Math" panose="02040503050406030204" pitchFamily="18" charset="0"/>
+                              <a:ea typeface="Cambria Math" panose="02040503050406030204" pitchFamily="18" charset="0"/>
+                              <a:cs typeface="Open Sans"/>
+                              <a:sym typeface="Open Sans"/>
+                            </a:rPr>
+                            <m:t>𝑗</m:t>
+                          </m:r>
+                        </m:sub>
+                        <m:sup>
+                          <m:r>
+                            <a:rPr lang="en-US" sz="1200" b="0" i="1" smtClean="0">
+                              <a:latin typeface="Cambria Math" panose="02040503050406030204" pitchFamily="18" charset="0"/>
+                              <a:ea typeface="Cambria Math" panose="02040503050406030204" pitchFamily="18" charset="0"/>
+                              <a:cs typeface="Open Sans"/>
+                              <a:sym typeface="Open Sans"/>
+                            </a:rPr>
+                            <m:t>′</m:t>
+                          </m:r>
+                        </m:sup>
+                      </m:sSubSup>
+                      <m:r>
+                        <a:rPr lang="pt-BR" sz="1200" i="1" smtClean="0">
+                          <a:latin typeface="Cambria Math" panose="02040503050406030204" pitchFamily="18" charset="0"/>
+                          <a:ea typeface="Cambria Math" panose="02040503050406030204" pitchFamily="18" charset="0"/>
+                          <a:cs typeface="Open Sans"/>
+                          <a:sym typeface="Open Sans"/>
+                        </a:rPr>
+                        <m:t>≤</m:t>
+                      </m:r>
+                      <m:nary>
+                        <m:naryPr>
+                          <m:chr m:val="∑"/>
+                          <m:ctrlPr>
+                            <a:rPr lang="pt-BR" sz="1200" i="1" smtClean="0">
+                              <a:latin typeface="Cambria Math" panose="02040503050406030204" pitchFamily="18" charset="0"/>
+                              <a:ea typeface="Open Sans"/>
+                              <a:cs typeface="Open Sans"/>
+                              <a:sym typeface="Open Sans"/>
+                            </a:rPr>
+                          </m:ctrlPr>
+                        </m:naryPr>
+                        <m:sub>
+                          <m:r>
+                            <m:rPr>
+                              <m:brk m:alnAt="23"/>
+                            </m:rPr>
+                            <a:rPr lang="en-US" sz="1200" b="0" i="1" smtClean="0">
+                              <a:latin typeface="Cambria Math" panose="02040503050406030204" pitchFamily="18" charset="0"/>
+                              <a:ea typeface="Open Sans"/>
+                              <a:cs typeface="Open Sans"/>
+                              <a:sym typeface="Open Sans"/>
+                            </a:rPr>
+                            <m:t>𝑖</m:t>
+                          </m:r>
+                        </m:sub>
+                        <m:sup/>
+                        <m:e>
+                          <m:sSub>
+                            <m:sSubPr>
+                              <m:ctrlPr>
+                                <a:rPr lang="en-US" sz="1200" i="1">
+                                  <a:latin typeface="Cambria Math" panose="02040503050406030204" pitchFamily="18" charset="0"/>
+                                  <a:ea typeface="Open Sans"/>
+                                  <a:cs typeface="Open Sans"/>
+                                  <a:sym typeface="Open Sans"/>
+                                </a:rPr>
+                              </m:ctrlPr>
+                            </m:sSubPr>
+                            <m:e>
+                              <m:r>
+                                <a:rPr lang="en-US" sz="1200" i="1">
+                                  <a:latin typeface="Cambria Math" panose="02040503050406030204" pitchFamily="18" charset="0"/>
+                                  <a:ea typeface="Open Sans"/>
+                                  <a:cs typeface="Open Sans"/>
+                                  <a:sym typeface="Open Sans"/>
+                                </a:rPr>
+                                <m:t>𝑣</m:t>
+                              </m:r>
+                            </m:e>
+                            <m:sub>
+                              <m:r>
+                                <a:rPr lang="en-US" sz="1200" i="1">
+                                  <a:latin typeface="Cambria Math" panose="02040503050406030204" pitchFamily="18" charset="0"/>
+                                  <a:ea typeface="Open Sans"/>
+                                  <a:cs typeface="Open Sans"/>
+                                  <a:sym typeface="Open Sans"/>
+                                </a:rPr>
+                                <m:t>𝑖𝑗</m:t>
+                              </m:r>
+                            </m:sub>
+                          </m:sSub>
+                          <m:r>
+                            <a:rPr lang="el-GR" sz="1200" i="1" smtClean="0">
+                              <a:latin typeface="Cambria Math" panose="02040503050406030204" pitchFamily="18" charset="0"/>
+                              <a:ea typeface="Cambria Math" panose="02040503050406030204" pitchFamily="18" charset="0"/>
+                              <a:cs typeface="Open Sans"/>
+                              <a:sym typeface="Open Sans"/>
+                            </a:rPr>
+                            <m:t>≤</m:t>
+                          </m:r>
+                          <m:sSub>
+                            <m:sSubPr>
+                              <m:ctrlPr>
+                                <a:rPr lang="pt-BR" sz="1200" i="1">
+                                  <a:latin typeface="Cambria Math" panose="02040503050406030204" pitchFamily="18" charset="0"/>
+                                  <a:ea typeface="Cambria Math" panose="02040503050406030204" pitchFamily="18" charset="0"/>
+                                  <a:cs typeface="Open Sans"/>
+                                  <a:sym typeface="Open Sans"/>
+                                </a:rPr>
+                              </m:ctrlPr>
+                            </m:sSubPr>
+                            <m:e>
+                              <m:r>
+                                <a:rPr lang="en-US" sz="1200" i="1">
+                                  <a:latin typeface="Cambria Math" panose="02040503050406030204" pitchFamily="18" charset="0"/>
+                                  <a:ea typeface="Cambria Math" panose="02040503050406030204" pitchFamily="18" charset="0"/>
+                                  <a:cs typeface="Open Sans"/>
+                                  <a:sym typeface="Open Sans"/>
+                                </a:rPr>
+                                <m:t>𝑎</m:t>
+                              </m:r>
+                            </m:e>
+                            <m:sub>
+                              <m:r>
+                                <a:rPr lang="en-US" sz="1200" b="0" i="1" smtClean="0">
+                                  <a:latin typeface="Cambria Math" panose="02040503050406030204" pitchFamily="18" charset="0"/>
+                                  <a:ea typeface="Cambria Math" panose="02040503050406030204" pitchFamily="18" charset="0"/>
+                                  <a:cs typeface="Open Sans"/>
+                                  <a:sym typeface="Open Sans"/>
+                                </a:rPr>
+                                <m:t>2</m:t>
+                              </m:r>
+                            </m:sub>
+                          </m:sSub>
+                          <m:sSubSup>
+                            <m:sSubSupPr>
+                              <m:ctrlPr>
+                                <a:rPr lang="pt-BR" sz="1200" i="1">
+                                  <a:latin typeface="Cambria Math" panose="02040503050406030204" pitchFamily="18" charset="0"/>
+                                  <a:ea typeface="Cambria Math" panose="02040503050406030204" pitchFamily="18" charset="0"/>
+                                  <a:cs typeface="Open Sans"/>
+                                  <a:sym typeface="Open Sans"/>
+                                </a:rPr>
+                              </m:ctrlPr>
+                            </m:sSubSupPr>
+                            <m:e>
+                              <m:r>
+                                <a:rPr lang="en-US" sz="1200" i="1">
+                                  <a:latin typeface="Cambria Math" panose="02040503050406030204" pitchFamily="18" charset="0"/>
+                                  <a:ea typeface="Cambria Math" panose="02040503050406030204" pitchFamily="18" charset="0"/>
+                                  <a:cs typeface="Open Sans"/>
+                                  <a:sym typeface="Open Sans"/>
+                                </a:rPr>
+                                <m:t>𝑣</m:t>
+                              </m:r>
+                            </m:e>
+                            <m:sub>
+                              <m:r>
+                                <a:rPr lang="en-US" sz="1200" i="1">
+                                  <a:latin typeface="Cambria Math" panose="02040503050406030204" pitchFamily="18" charset="0"/>
+                                  <a:ea typeface="Cambria Math" panose="02040503050406030204" pitchFamily="18" charset="0"/>
+                                  <a:cs typeface="Open Sans"/>
+                                  <a:sym typeface="Open Sans"/>
+                                </a:rPr>
+                                <m:t>𝑗</m:t>
+                              </m:r>
+                            </m:sub>
+                            <m:sup>
+                              <m:r>
+                                <a:rPr lang="en-US" sz="1200" i="1">
+                                  <a:latin typeface="Cambria Math" panose="02040503050406030204" pitchFamily="18" charset="0"/>
+                                  <a:ea typeface="Cambria Math" panose="02040503050406030204" pitchFamily="18" charset="0"/>
+                                  <a:cs typeface="Open Sans"/>
+                                  <a:sym typeface="Open Sans"/>
+                                </a:rPr>
+                                <m:t>′</m:t>
+                              </m:r>
+                            </m:sup>
+                          </m:sSubSup>
+                        </m:e>
+                      </m:nary>
+                      <m:r>
+                        <a:rPr lang="en-US" sz="1200" b="0" i="0" smtClean="0">
+                          <a:latin typeface="Cambria Math" panose="02040503050406030204" pitchFamily="18" charset="0"/>
+                          <a:ea typeface="Open Sans"/>
+                          <a:cs typeface="Open Sans"/>
+                          <a:sym typeface="Open Sans"/>
+                        </a:rPr>
+                        <m:t> , </m:t>
+                      </m:r>
+                      <m:r>
+                        <m:rPr>
+                          <m:sty m:val="p"/>
+                        </m:rPr>
+                        <a:rPr lang="en-US" sz="1200" b="0" i="0" smtClean="0">
+                          <a:latin typeface="Cambria Math" panose="02040503050406030204" pitchFamily="18" charset="0"/>
+                          <a:ea typeface="Open Sans"/>
+                          <a:cs typeface="Open Sans"/>
+                          <a:sym typeface="Open Sans"/>
+                        </a:rPr>
+                        <m:t>where</m:t>
+                      </m:r>
+                      <m:r>
+                        <a:rPr lang="en-US" sz="1200" b="0" i="0" smtClean="0">
+                          <a:latin typeface="Cambria Math" panose="02040503050406030204" pitchFamily="18" charset="0"/>
+                          <a:ea typeface="Open Sans"/>
+                          <a:cs typeface="Open Sans"/>
+                          <a:sym typeface="Open Sans"/>
+                        </a:rPr>
+                        <m:t> </m:t>
+                      </m:r>
+                      <m:sSub>
+                        <m:sSubPr>
+                          <m:ctrlPr>
+                            <a:rPr lang="en-US" sz="1200" b="0" i="1" smtClean="0">
+                              <a:latin typeface="Cambria Math" panose="02040503050406030204" pitchFamily="18" charset="0"/>
+                              <a:ea typeface="Open Sans"/>
+                              <a:cs typeface="Open Sans"/>
+                              <a:sym typeface="Open Sans"/>
+                            </a:rPr>
+                          </m:ctrlPr>
+                        </m:sSubPr>
+                        <m:e>
+                          <m:r>
+                            <a:rPr lang="en-US" sz="1200" b="0" i="1" smtClean="0">
+                              <a:latin typeface="Cambria Math" panose="02040503050406030204" pitchFamily="18" charset="0"/>
+                              <a:ea typeface="Open Sans"/>
+                              <a:cs typeface="Open Sans"/>
+                              <a:sym typeface="Open Sans"/>
+                            </a:rPr>
+                            <m:t>𝑎</m:t>
+                          </m:r>
+                        </m:e>
+                        <m:sub>
+                          <m:r>
+                            <a:rPr lang="en-US" sz="1200" b="0" i="1" smtClean="0">
+                              <a:latin typeface="Cambria Math" panose="02040503050406030204" pitchFamily="18" charset="0"/>
+                              <a:ea typeface="Open Sans"/>
+                              <a:cs typeface="Open Sans"/>
+                              <a:sym typeface="Open Sans"/>
+                            </a:rPr>
+                            <m:t>1</m:t>
+                          </m:r>
+                        </m:sub>
+                      </m:sSub>
+                      <m:r>
+                        <a:rPr lang="en-US" sz="1200" b="0" i="1" smtClean="0">
+                          <a:latin typeface="Cambria Math" panose="02040503050406030204" pitchFamily="18" charset="0"/>
+                          <a:ea typeface="Open Sans"/>
+                          <a:cs typeface="Open Sans"/>
+                          <a:sym typeface="Open Sans"/>
+                        </a:rPr>
+                        <m:t>=</m:t>
+                      </m:r>
+                      <m:func>
+                        <m:funcPr>
+                          <m:ctrlPr>
+                            <a:rPr lang="en-US" sz="1200" b="0" i="1" smtClean="0">
+                              <a:latin typeface="Cambria Math" panose="02040503050406030204" pitchFamily="18" charset="0"/>
+                              <a:ea typeface="Open Sans"/>
+                              <a:cs typeface="Open Sans"/>
+                              <a:sym typeface="Open Sans"/>
+                            </a:rPr>
+                          </m:ctrlPr>
+                        </m:funcPr>
+                        <m:fName>
+                          <m:r>
+                            <m:rPr>
+                              <m:sty m:val="p"/>
+                            </m:rPr>
+                            <a:rPr lang="en-US" sz="1200" b="0" i="0" smtClean="0">
+                              <a:latin typeface="Cambria Math" panose="02040503050406030204" pitchFamily="18" charset="0"/>
+                              <a:ea typeface="Open Sans"/>
+                              <a:cs typeface="Open Sans"/>
+                              <a:sym typeface="Open Sans"/>
+                            </a:rPr>
+                            <m:t>min</m:t>
+                          </m:r>
+                        </m:fName>
+                        <m:e>
+                          <m:d>
+                            <m:dPr>
+                              <m:begChr m:val="{"/>
+                              <m:endChr m:val="}"/>
+                              <m:ctrlPr>
+                                <a:rPr lang="en-US" sz="1200" b="0" i="1" smtClean="0">
+                                  <a:latin typeface="Cambria Math" panose="02040503050406030204" pitchFamily="18" charset="0"/>
+                                  <a:ea typeface="Open Sans"/>
+                                  <a:cs typeface="Open Sans"/>
+                                  <a:sym typeface="Open Sans"/>
+                                </a:rPr>
+                              </m:ctrlPr>
+                            </m:dPr>
+                            <m:e>
+                              <m:r>
+                                <a:rPr lang="en-US" sz="1200" b="0" i="1" smtClean="0">
+                                  <a:latin typeface="Cambria Math" panose="02040503050406030204" pitchFamily="18" charset="0"/>
+                                  <a:ea typeface="Open Sans"/>
+                                  <a:cs typeface="Open Sans"/>
+                                  <a:sym typeface="Open Sans"/>
+                                </a:rPr>
+                                <m:t>0.8, </m:t>
+                              </m:r>
+                              <m:f>
+                                <m:fPr>
+                                  <m:ctrlPr>
+                                    <a:rPr lang="en-US" sz="1200" b="0" i="1" smtClean="0">
+                                      <a:latin typeface="Cambria Math" panose="02040503050406030204" pitchFamily="18" charset="0"/>
+                                      <a:ea typeface="Open Sans"/>
+                                      <a:cs typeface="Open Sans"/>
+                                      <a:sym typeface="Open Sans"/>
+                                    </a:rPr>
+                                  </m:ctrlPr>
+                                </m:fPr>
+                                <m:num>
+                                  <m:acc>
+                                    <m:accPr>
+                                      <m:chr m:val="̅"/>
+                                      <m:ctrlPr>
+                                        <a:rPr lang="en-US" sz="1200" b="0" i="1" smtClean="0">
+                                          <a:latin typeface="Cambria Math" panose="02040503050406030204" pitchFamily="18" charset="0"/>
+                                          <a:ea typeface="Open Sans"/>
+                                          <a:cs typeface="Open Sans"/>
+                                          <a:sym typeface="Open Sans"/>
+                                        </a:rPr>
+                                      </m:ctrlPr>
+                                    </m:accPr>
+                                    <m:e>
+                                      <m:sSup>
+                                        <m:sSupPr>
+                                          <m:ctrlPr>
+                                            <a:rPr lang="en-US" sz="1200" b="0" i="1" smtClean="0">
+                                              <a:latin typeface="Cambria Math" panose="02040503050406030204" pitchFamily="18" charset="0"/>
+                                              <a:ea typeface="Open Sans"/>
+                                              <a:cs typeface="Open Sans"/>
+                                              <a:sym typeface="Open Sans"/>
+                                            </a:rPr>
+                                          </m:ctrlPr>
+                                        </m:sSupPr>
+                                        <m:e>
+                                          <m:r>
+                                            <a:rPr lang="en-US" sz="1200" b="0" i="1" smtClean="0">
+                                              <a:latin typeface="Cambria Math" panose="02040503050406030204" pitchFamily="18" charset="0"/>
+                                              <a:ea typeface="Open Sans"/>
+                                              <a:cs typeface="Open Sans"/>
+                                              <a:sym typeface="Open Sans"/>
+                                            </a:rPr>
+                                            <m:t>𝐺𝐷𝑃</m:t>
+                                          </m:r>
+                                        </m:e>
+                                        <m:sup>
+                                          <m:r>
+                                            <a:rPr lang="en-US" sz="1200" b="0" i="1" smtClean="0">
+                                              <a:latin typeface="Cambria Math" panose="02040503050406030204" pitchFamily="18" charset="0"/>
+                                              <a:ea typeface="Open Sans"/>
+                                              <a:cs typeface="Open Sans"/>
+                                              <a:sym typeface="Open Sans"/>
+                                            </a:rPr>
+                                            <m:t>𝑝𝑝𝑠</m:t>
+                                          </m:r>
+                                        </m:sup>
+                                      </m:sSup>
+                                    </m:e>
+                                  </m:acc>
+                                </m:num>
+                                <m:den>
+                                  <m:sSubSup>
+                                    <m:sSubSupPr>
+                                      <m:ctrlPr>
+                                        <a:rPr lang="en-US" sz="1200" b="0" i="1" smtClean="0">
+                                          <a:latin typeface="Cambria Math" panose="02040503050406030204" pitchFamily="18" charset="0"/>
+                                          <a:ea typeface="Open Sans"/>
+                                          <a:cs typeface="Open Sans"/>
+                                          <a:sym typeface="Open Sans"/>
+                                        </a:rPr>
+                                      </m:ctrlPr>
+                                    </m:sSubSupPr>
+                                    <m:e>
+                                      <m:r>
+                                        <a:rPr lang="en-US" sz="1200" b="0" i="1" smtClean="0">
+                                          <a:latin typeface="Cambria Math" panose="02040503050406030204" pitchFamily="18" charset="0"/>
+                                          <a:ea typeface="Open Sans"/>
+                                          <a:cs typeface="Open Sans"/>
+                                          <a:sym typeface="Open Sans"/>
+                                        </a:rPr>
+                                        <m:t>𝐺𝐷𝑃</m:t>
+                                      </m:r>
+                                    </m:e>
+                                    <m:sub>
+                                      <m:r>
+                                        <a:rPr lang="en-US" sz="1200" b="0" i="1" smtClean="0">
+                                          <a:latin typeface="Cambria Math" panose="02040503050406030204" pitchFamily="18" charset="0"/>
+                                          <a:ea typeface="Open Sans"/>
+                                          <a:cs typeface="Open Sans"/>
+                                          <a:sym typeface="Open Sans"/>
+                                        </a:rPr>
+                                        <m:t>𝑖</m:t>
+                                      </m:r>
+                                    </m:sub>
+                                    <m:sup>
+                                      <m:r>
+                                        <a:rPr lang="en-US" sz="1200" b="0" i="1" smtClean="0">
+                                          <a:latin typeface="Cambria Math" panose="02040503050406030204" pitchFamily="18" charset="0"/>
+                                          <a:ea typeface="Open Sans"/>
+                                          <a:cs typeface="Open Sans"/>
+                                          <a:sym typeface="Open Sans"/>
+                                        </a:rPr>
+                                        <m:t>𝑝𝑝𝑠</m:t>
+                                      </m:r>
+                                    </m:sup>
+                                  </m:sSubSup>
+                                </m:den>
+                              </m:f>
+                            </m:e>
+                          </m:d>
+                        </m:e>
+                      </m:func>
+                    </m:oMath>
+                  </m:oMathPara>
+                </a14:m>
+                <a:endParaRPr lang="en-US" sz="1200" dirty="0">
+                  <a:latin typeface="Open Sans"/>
+                  <a:ea typeface="Open Sans"/>
+                  <a:cs typeface="Open Sans"/>
+                  <a:sym typeface="Open Sans"/>
+                </a:endParaRPr>
+              </a:p>
+              <a:p>
+                <a:pPr lvl="0"/>
+                <a:endParaRPr lang="el-GR" sz="1200" dirty="0">
+                  <a:solidFill>
+                    <a:schemeClr val="dk1"/>
+                  </a:solidFill>
+                  <a:latin typeface="Open Sans"/>
+                  <a:ea typeface="Open Sans"/>
+                  <a:cs typeface="Open Sans"/>
+                  <a:sym typeface="Open Sans"/>
+                </a:endParaRPr>
+              </a:p>
+              <a:p>
+                <a:pPr marL="0" lvl="0" indent="0" algn="l" rtl="0">
+                  <a:spcBef>
+                    <a:spcPts val="0"/>
+                  </a:spcBef>
+                  <a:spcAft>
+                    <a:spcPts val="0"/>
+                  </a:spcAft>
+                  <a:buNone/>
+                </a:pPr>
+                <a:endParaRPr lang="en-US" sz="1200" dirty="0">
+                  <a:solidFill>
+                    <a:schemeClr val="dk1"/>
+                  </a:solidFill>
+                  <a:latin typeface="Open Sans"/>
+                  <a:ea typeface="Open Sans"/>
+                  <a:cs typeface="Open Sans"/>
+                  <a:sym typeface="Open Sans"/>
+                </a:endParaRPr>
+              </a:p>
+              <a:p>
+                <a:pPr marL="0" lvl="0" indent="0" algn="l" rtl="0">
+                  <a:spcBef>
+                    <a:spcPts val="0"/>
+                  </a:spcBef>
+                  <a:spcAft>
+                    <a:spcPts val="0"/>
+                  </a:spcAft>
+                  <a:buNone/>
+                </a:pPr>
+                <a:endParaRPr lang="en-US" sz="1200" dirty="0">
+                  <a:solidFill>
+                    <a:schemeClr val="dk1"/>
+                  </a:solidFill>
+                  <a:latin typeface="Open Sans"/>
+                  <a:ea typeface="Open Sans"/>
+                  <a:cs typeface="Open Sans"/>
+                  <a:sym typeface="Open Sans"/>
+                </a:endParaRPr>
+              </a:p>
+              <a:p>
+                <a:pPr marL="0" lvl="0" indent="0" algn="l" rtl="0">
+                  <a:spcBef>
+                    <a:spcPts val="0"/>
+                  </a:spcBef>
+                  <a:spcAft>
+                    <a:spcPts val="0"/>
+                  </a:spcAft>
+                  <a:buNone/>
+                </a:pPr>
+                <a:endParaRPr lang="en-US" sz="1200" dirty="0">
+                  <a:solidFill>
+                    <a:schemeClr val="dk1"/>
+                  </a:solidFill>
+                  <a:latin typeface="Open Sans"/>
+                  <a:ea typeface="Open Sans"/>
+                  <a:cs typeface="Open Sans"/>
+                  <a:sym typeface="Open Sans"/>
+                </a:endParaRPr>
+              </a:p>
+              <a:p>
+                <a:pPr marL="0" lvl="0" indent="0" algn="l" rtl="0">
+                  <a:spcBef>
+                    <a:spcPts val="0"/>
+                  </a:spcBef>
+                  <a:spcAft>
+                    <a:spcPts val="0"/>
+                  </a:spcAft>
+                  <a:buNone/>
+                </a:pPr>
+                <a:endParaRPr sz="1200" dirty="0">
+                  <a:solidFill>
+                    <a:schemeClr val="dk1"/>
+                  </a:solidFill>
+                  <a:latin typeface="Open Sans"/>
+                  <a:ea typeface="Open Sans"/>
+                  <a:cs typeface="Open Sans"/>
+                  <a:sym typeface="Open Sans"/>
+                </a:endParaRPr>
+              </a:p>
+            </p:txBody>
+          </p:sp>
+        </mc:Choice>
+        <mc:Fallback>
+          <p:sp>
+            <p:nvSpPr>
+              <p:cNvPr id="64" name="Google Shape;64;p14"/>
+              <p:cNvSpPr txBox="1">
+                <a:spLocks noRot="1" noChangeAspect="1" noMove="1" noResize="1" noEditPoints="1" noAdjustHandles="1" noChangeArrowheads="1" noChangeShapeType="1" noTextEdit="1"/>
+              </p:cNvSpPr>
+              <p:nvPr/>
+            </p:nvSpPr>
+            <p:spPr>
+              <a:xfrm>
+                <a:off x="2375100" y="1788449"/>
+                <a:ext cx="4393800" cy="3682132"/>
+              </a:xfrm>
+              <a:prstGeom prst="rect">
+                <a:avLst/>
+              </a:prstGeom>
+              <a:blipFill>
+                <a:blip r:embed="rId3"/>
+                <a:stretch>
+                  <a:fillRect l="-139"/>
+                </a:stretch>
+              </a:blipFill>
+              <a:ln>
+                <a:noFill/>
+              </a:ln>
+            </p:spPr>
+            <p:txBody>
+              <a:bodyPr/>
+              <a:lstStyle/>
+              <a:p>
+                <a:r>
+                  <a:rPr lang="en-US">
+                    <a:noFill/>
+                  </a:rPr>
+                  <a:t> </a:t>
+                </a:r>
+              </a:p>
+            </p:txBody>
+          </p:sp>
+        </mc:Fallback>
+      </mc:AlternateContent>
+      <p:sp>
+        <p:nvSpPr>
+          <p:cNvPr id="5" name="Rectangle 4"/>
+          <p:cNvSpPr/>
+          <p:nvPr/>
+        </p:nvSpPr>
+        <p:spPr>
+          <a:xfrm>
+            <a:off x="0" y="5143500"/>
+            <a:ext cx="9144000" cy="45719"/>
+          </a:xfrm>
+          <a:prstGeom prst="rect">
+            <a:avLst/>
+          </a:prstGeom>
+          <a:solidFill>
+            <a:srgbClr val="B8D847"/>
+          </a:solidFill>
+          <a:ln>
+            <a:noFill/>
+          </a:ln>
+        </p:spPr>
+        <p:style>
+          <a:lnRef idx="2">
+            <a:schemeClr val="accent1">
+              <a:shade val="50000"/>
+            </a:schemeClr>
+          </a:lnRef>
+          <a:fillRef idx="1">
+            <a:schemeClr val="accent1"/>
+          </a:fillRef>
+          <a:effectRef idx="0">
+            <a:schemeClr val="accent1"/>
+          </a:effectRef>
+          <a:fontRef idx="minor">
+            <a:schemeClr val="lt1"/>
+          </a:fontRef>
+        </p:style>
+        <p:txBody>
+          <a:bodyPr rtlCol="0" anchor="ctr"/>
+          <a:lstStyle/>
+          <a:p>
+            <a:pPr algn="ctr"/>
+            <a:endParaRPr lang="en-US"/>
+          </a:p>
+        </p:txBody>
+      </p:sp>
+      <p:pic>
+        <p:nvPicPr>
+          <p:cNvPr id="6" name="Picture 5"/>
+          <p:cNvPicPr>
+            <a:picLocks noChangeAspect="1"/>
+          </p:cNvPicPr>
+          <p:nvPr/>
+        </p:nvPicPr>
+        <p:blipFill>
+          <a:blip r:embed="rId4" cstate="print">
+            <a:extLst>
+              <a:ext uri="{28A0092B-C50C-407E-A947-70E740481C1C}">
+                <a14:useLocalDpi xmlns:a14="http://schemas.microsoft.com/office/drawing/2010/main"/>
+              </a:ext>
+            </a:extLst>
+          </a:blip>
+          <a:stretch>
+            <a:fillRect/>
+          </a:stretch>
+        </p:blipFill>
+        <p:spPr>
+          <a:xfrm>
+            <a:off x="0" y="0"/>
+            <a:ext cx="9144000" cy="980237"/>
+          </a:xfrm>
+          <a:prstGeom prst="rect">
+            <a:avLst/>
+          </a:prstGeom>
+        </p:spPr>
+      </p:pic>
+    </p:spTree>
+    <p:extLst>
+      <p:ext uri="{BB962C8B-B14F-4D97-AF65-F5344CB8AC3E}">
+        <p14:creationId xmlns:p14="http://schemas.microsoft.com/office/powerpoint/2010/main" val="703508164"/>
+      </p:ext>
+    </p:extLst>
+  </p:cSld>
+  <p:clrMapOvr>
+    <a:masterClrMapping/>
+  </p:clrMapOvr>
+</p:sld>
+</file>
+
+<file path=ppt/slides/slide7.xml><?xml version="1.0" encoding="utf-8"?>
 <p:sld xmlns:a="http://schemas.openxmlformats.org/drawingml/2006/main" xmlns:r="http://schemas.openxmlformats.org/officeDocument/2006/relationships" xmlns:p="http://schemas.openxmlformats.org/presentationml/2006/main">
   <p:cSld>
     <p:spTree>
@@ -6855,6 +10265,308 @@
         </p:spPr>
       </p:pic>
     </p:spTree>
+  </p:cSld>
+  <p:clrMapOvr>
+    <a:masterClrMapping/>
+  </p:clrMapOvr>
+</p:sld>
+</file>
+
+<file path=ppt/slides/slide8.xml><?xml version="1.0" encoding="utf-8"?>
+<p:sld xmlns:a="http://schemas.openxmlformats.org/drawingml/2006/main" xmlns:r="http://schemas.openxmlformats.org/officeDocument/2006/relationships" xmlns:p="http://schemas.openxmlformats.org/presentationml/2006/main">
+  <p:cSld>
+    <p:spTree>
+      <p:nvGrpSpPr>
+        <p:cNvPr id="1" name="Shape 61"/>
+        <p:cNvGrpSpPr/>
+        <p:nvPr/>
+      </p:nvGrpSpPr>
+      <p:grpSpPr>
+        <a:xfrm>
+          <a:off x="0" y="0"/>
+          <a:ext cx="0" cy="0"/>
+          <a:chOff x="0" y="0"/>
+          <a:chExt cx="0" cy="0"/>
+        </a:xfrm>
+      </p:grpSpPr>
+      <p:sp>
+        <p:nvSpPr>
+          <p:cNvPr id="63" name="Google Shape;63;p14"/>
+          <p:cNvSpPr txBox="1"/>
+          <p:nvPr/>
+        </p:nvSpPr>
+        <p:spPr>
+          <a:xfrm>
+            <a:off x="178200" y="1172926"/>
+            <a:ext cx="8965800" cy="615523"/>
+          </a:xfrm>
+          <a:prstGeom prst="rect">
+            <a:avLst/>
+          </a:prstGeom>
+          <a:noFill/>
+          <a:ln>
+            <a:noFill/>
+          </a:ln>
+        </p:spPr>
+        <p:txBody>
+          <a:bodyPr spcFirstLastPara="1" wrap="square" lIns="91425" tIns="91425" rIns="91425" bIns="91425" anchor="t" anchorCtr="0">
+            <a:spAutoFit/>
+          </a:bodyPr>
+          <a:lstStyle/>
+          <a:p>
+            <a:pPr marL="0" lvl="0" indent="0" algn="l" rtl="0">
+              <a:spcBef>
+                <a:spcPts val="0"/>
+              </a:spcBef>
+              <a:spcAft>
+                <a:spcPts val="0"/>
+              </a:spcAft>
+              <a:buNone/>
+            </a:pPr>
+            <a:r>
+              <a:rPr lang="en-US" sz="2800" dirty="0">
+                <a:latin typeface="Open Sans SemiBold"/>
+                <a:ea typeface="Open Sans SemiBold"/>
+                <a:cs typeface="Open Sans SemiBold"/>
+                <a:sym typeface="Open Sans SemiBold"/>
+              </a:rPr>
+              <a:t>Demo</a:t>
+            </a:r>
+            <a:r>
+              <a:rPr lang="el" sz="2800" dirty="0">
+                <a:latin typeface="Open Sans SemiBold"/>
+                <a:ea typeface="Open Sans SemiBold"/>
+                <a:cs typeface="Open Sans SemiBold"/>
+                <a:sym typeface="Open Sans SemiBold"/>
+              </a:rPr>
+              <a:t> - “Open Sans Semibold </a:t>
+            </a:r>
+            <a:r>
+              <a:rPr lang="en-US" sz="2800" dirty="0">
+                <a:latin typeface="Open Sans SemiBold"/>
+                <a:ea typeface="Open Sans SemiBold"/>
+                <a:cs typeface="Open Sans SemiBold"/>
+                <a:sym typeface="Open Sans SemiBold"/>
+              </a:rPr>
+              <a:t>28</a:t>
+            </a:r>
+            <a:r>
+              <a:rPr lang="el" sz="2800" dirty="0">
+                <a:latin typeface="Open Sans SemiBold"/>
+                <a:ea typeface="Open Sans SemiBold"/>
+                <a:cs typeface="Open Sans SemiBold"/>
+                <a:sym typeface="Open Sans SemiBold"/>
+              </a:rPr>
+              <a:t>”</a:t>
+            </a:r>
+            <a:endParaRPr sz="2800" dirty="0">
+              <a:latin typeface="Open Sans SemiBold"/>
+              <a:ea typeface="Open Sans SemiBold"/>
+              <a:cs typeface="Open Sans SemiBold"/>
+              <a:sym typeface="Open Sans SemiBold"/>
+            </a:endParaRPr>
+          </a:p>
+        </p:txBody>
+      </p:sp>
+      <p:sp>
+        <p:nvSpPr>
+          <p:cNvPr id="64" name="Google Shape;64;p14"/>
+          <p:cNvSpPr txBox="1"/>
+          <p:nvPr/>
+        </p:nvSpPr>
+        <p:spPr>
+          <a:xfrm>
+            <a:off x="178200" y="1752588"/>
+            <a:ext cx="7377000" cy="369302"/>
+          </a:xfrm>
+          <a:prstGeom prst="rect">
+            <a:avLst/>
+          </a:prstGeom>
+          <a:noFill/>
+          <a:ln>
+            <a:noFill/>
+          </a:ln>
+        </p:spPr>
+        <p:txBody>
+          <a:bodyPr spcFirstLastPara="1" wrap="square" lIns="91425" tIns="91425" rIns="91425" bIns="91425" anchor="t" anchorCtr="0">
+            <a:spAutoFit/>
+          </a:bodyPr>
+          <a:lstStyle/>
+          <a:p>
+            <a:pPr marL="0" lvl="0" indent="0" algn="l" rtl="0">
+              <a:spcBef>
+                <a:spcPts val="0"/>
+              </a:spcBef>
+              <a:spcAft>
+                <a:spcPts val="0"/>
+              </a:spcAft>
+              <a:buNone/>
+            </a:pPr>
+            <a:r>
+              <a:rPr lang="el" sz="1200" dirty="0">
+                <a:latin typeface="Open Sans"/>
+                <a:ea typeface="Open Sans"/>
+                <a:cs typeface="Open Sans"/>
+                <a:sym typeface="Open Sans"/>
+              </a:rPr>
+              <a:t>Body Text - “Open Sans Regular 1</a:t>
+            </a:r>
+            <a:r>
+              <a:rPr lang="en-US" sz="1200" dirty="0">
+                <a:latin typeface="Open Sans"/>
+                <a:ea typeface="Open Sans"/>
+                <a:cs typeface="Open Sans"/>
+                <a:sym typeface="Open Sans"/>
+              </a:rPr>
+              <a:t>2</a:t>
+            </a:r>
+            <a:r>
+              <a:rPr lang="el" sz="1200" dirty="0">
+                <a:latin typeface="Open Sans"/>
+                <a:ea typeface="Open Sans"/>
+                <a:cs typeface="Open Sans"/>
+                <a:sym typeface="Open Sans"/>
+              </a:rPr>
+              <a:t>”</a:t>
+            </a:r>
+            <a:endParaRPr sz="1200" dirty="0">
+              <a:solidFill>
+                <a:schemeClr val="dk1"/>
+              </a:solidFill>
+              <a:latin typeface="Open Sans"/>
+              <a:ea typeface="Open Sans"/>
+              <a:cs typeface="Open Sans"/>
+              <a:sym typeface="Open Sans"/>
+            </a:endParaRPr>
+          </a:p>
+        </p:txBody>
+      </p:sp>
+      <p:sp>
+        <p:nvSpPr>
+          <p:cNvPr id="5" name="Rectangle 4"/>
+          <p:cNvSpPr/>
+          <p:nvPr/>
+        </p:nvSpPr>
+        <p:spPr>
+          <a:xfrm>
+            <a:off x="0" y="5143500"/>
+            <a:ext cx="9144000" cy="45719"/>
+          </a:xfrm>
+          <a:prstGeom prst="rect">
+            <a:avLst/>
+          </a:prstGeom>
+          <a:solidFill>
+            <a:srgbClr val="B8D847"/>
+          </a:solidFill>
+          <a:ln>
+            <a:noFill/>
+          </a:ln>
+        </p:spPr>
+        <p:style>
+          <a:lnRef idx="2">
+            <a:schemeClr val="accent1">
+              <a:shade val="50000"/>
+            </a:schemeClr>
+          </a:lnRef>
+          <a:fillRef idx="1">
+            <a:schemeClr val="accent1"/>
+          </a:fillRef>
+          <a:effectRef idx="0">
+            <a:schemeClr val="accent1"/>
+          </a:effectRef>
+          <a:fontRef idx="minor">
+            <a:schemeClr val="lt1"/>
+          </a:fontRef>
+        </p:style>
+        <p:txBody>
+          <a:bodyPr rtlCol="0" anchor="ctr"/>
+          <a:lstStyle/>
+          <a:p>
+            <a:pPr algn="ctr"/>
+            <a:endParaRPr lang="en-US"/>
+          </a:p>
+        </p:txBody>
+      </p:sp>
+      <p:pic>
+        <p:nvPicPr>
+          <p:cNvPr id="6" name="Picture 5"/>
+          <p:cNvPicPr>
+            <a:picLocks noChangeAspect="1"/>
+          </p:cNvPicPr>
+          <p:nvPr/>
+        </p:nvPicPr>
+        <p:blipFill>
+          <a:blip r:embed="rId3" cstate="print">
+            <a:extLst>
+              <a:ext uri="{28A0092B-C50C-407E-A947-70E740481C1C}">
+                <a14:useLocalDpi xmlns:a14="http://schemas.microsoft.com/office/drawing/2010/main"/>
+              </a:ext>
+            </a:extLst>
+          </a:blip>
+          <a:stretch>
+            <a:fillRect/>
+          </a:stretch>
+        </p:blipFill>
+        <p:spPr>
+          <a:xfrm>
+            <a:off x="0" y="0"/>
+            <a:ext cx="9144000" cy="980237"/>
+          </a:xfrm>
+          <a:prstGeom prst="rect">
+            <a:avLst/>
+          </a:prstGeom>
+        </p:spPr>
+      </p:pic>
+      <p:sp>
+        <p:nvSpPr>
+          <p:cNvPr id="2" name="TextBox 1">
+            <a:extLst>
+              <a:ext uri="{FF2B5EF4-FFF2-40B4-BE49-F238E27FC236}">
+                <a16:creationId xmlns:a16="http://schemas.microsoft.com/office/drawing/2014/main" id="{04565C24-4E24-95EA-4F54-98261D05F586}"/>
+              </a:ext>
+            </a:extLst>
+          </p:cNvPr>
+          <p:cNvSpPr txBox="1"/>
+          <p:nvPr/>
+        </p:nvSpPr>
+        <p:spPr>
+          <a:xfrm>
+            <a:off x="2453640" y="2903220"/>
+            <a:ext cx="3565400" cy="307777"/>
+          </a:xfrm>
+          <a:prstGeom prst="rect">
+            <a:avLst/>
+          </a:prstGeom>
+          <a:noFill/>
+        </p:spPr>
+        <p:txBody>
+          <a:bodyPr wrap="none" rtlCol="0">
+            <a:spAutoFit/>
+          </a:bodyPr>
+          <a:lstStyle/>
+          <a:p>
+            <a:r>
+              <a:rPr lang="el-GR" dirty="0"/>
+              <a:t>Διαφάνεια για να μείνει το </a:t>
+            </a:r>
+            <a:r>
+              <a:rPr lang="en-US" dirty="0"/>
+              <a:t>template </a:t>
+            </a:r>
+            <a:r>
+              <a:rPr lang="el-GR" dirty="0"/>
+              <a:t>κάπου</a:t>
+            </a:r>
+            <a:endParaRPr lang="en-US" dirty="0"/>
+          </a:p>
+        </p:txBody>
+      </p:sp>
+    </p:spTree>
+    <p:extLst>
+      <p:ext uri="{BB962C8B-B14F-4D97-AF65-F5344CB8AC3E}">
+        <p14:creationId xmlns:p14="http://schemas.microsoft.com/office/powerpoint/2010/main" val="1683670814"/>
+      </p:ext>
+    </p:extLst>
   </p:cSld>
   <p:clrMapOvr>
     <a:masterClrMapping/>
